--- a/corporate-partners-appendix/modules/TAs/attachments/agile_reflection.pptx
+++ b/corporate-partners-appendix/modules/TAs/attachments/agile_reflection.pptx
@@ -5,57 +5,60 @@
     <p:sldMasterId id="2147483648" r:id="rId4"/>
   </p:sldMasterIdLst>
   <p:notesMasterIdLst>
-    <p:notesMasterId r:id="rId8"/>
+    <p:notesMasterId r:id="rId11"/>
   </p:notesMasterIdLst>
   <p:sldIdLst>
     <p:sldId id="257" r:id="rId5"/>
-    <p:sldId id="351" r:id="rId6"/>
-    <p:sldId id="349" r:id="rId7"/>
+    <p:sldId id="354" r:id="rId6"/>
+    <p:sldId id="351" r:id="rId7"/>
+    <p:sldId id="352" r:id="rId8"/>
+    <p:sldId id="353" r:id="rId9"/>
+    <p:sldId id="355" r:id="rId10"/>
   </p:sldIdLst>
   <p:sldSz cx="12192000" cy="6858000"/>
   <p:notesSz cx="6858000" cy="9144000"/>
   <p:embeddedFontLst>
     <p:embeddedFont>
-      <p:font typeface="Acumin Pro" panose="020B0504020202020204" pitchFamily="34" charset="77"/>
-      <p:regular r:id="rId9"/>
-      <p:bold r:id="rId10"/>
-      <p:italic r:id="rId11"/>
-      <p:boldItalic r:id="rId12"/>
+      <p:font typeface="Acumin Pro" panose="020F0502020204030204" pitchFamily="34" charset="0"/>
+      <p:regular r:id="rId12"/>
+      <p:bold r:id="rId13"/>
+      <p:italic r:id="rId14"/>
+      <p:boldItalic r:id="rId15"/>
     </p:embeddedFont>
     <p:embeddedFont>
-      <p:font typeface="Acumin Pro ExtraCondensed" panose="020B0508020202020204" pitchFamily="34" charset="77"/>
-      <p:regular r:id="rId13"/>
-      <p:bold r:id="rId14"/>
-      <p:italic r:id="rId15"/>
-      <p:boldItalic r:id="rId16"/>
+      <p:font typeface="Acumin Pro ExtraCondensed" panose="020F0502020204030204" pitchFamily="34" charset="0"/>
+      <p:regular r:id="rId16"/>
+      <p:bold r:id="rId17"/>
+      <p:italic r:id="rId18"/>
+      <p:boldItalic r:id="rId19"/>
     </p:embeddedFont>
     <p:embeddedFont>
       <p:font typeface="Acumin Pro SemiCondensed" panose="020F0502020204030204" pitchFamily="34" charset="0"/>
-      <p:regular r:id="rId17"/>
-      <p:bold r:id="rId18"/>
-      <p:italic r:id="rId19"/>
-      <p:boldItalic r:id="rId20"/>
+      <p:regular r:id="rId20"/>
+      <p:bold r:id="rId21"/>
+      <p:italic r:id="rId22"/>
+      <p:boldItalic r:id="rId23"/>
     </p:embeddedFont>
     <p:embeddedFont>
       <p:font typeface="Calibri" panose="020F0502020204030204" pitchFamily="34" charset="0"/>
-      <p:regular r:id="rId21"/>
-      <p:bold r:id="rId22"/>
-      <p:italic r:id="rId23"/>
-      <p:boldItalic r:id="rId24"/>
+      <p:regular r:id="rId24"/>
+      <p:bold r:id="rId25"/>
+      <p:italic r:id="rId26"/>
+      <p:boldItalic r:id="rId27"/>
     </p:embeddedFont>
     <p:embeddedFont>
       <p:font typeface="Franklin Gothic Book" panose="020B0503020102020204" pitchFamily="34" charset="0"/>
-      <p:regular r:id="rId25"/>
-      <p:italic r:id="rId26"/>
+      <p:regular r:id="rId28"/>
+      <p:italic r:id="rId29"/>
     </p:embeddedFont>
     <p:embeddedFont>
       <p:font typeface="Franklin Gothic Medium" panose="020B0603020102020204" pitchFamily="34" charset="0"/>
-      <p:regular r:id="rId27"/>
-      <p:italic r:id="rId28"/>
+      <p:regular r:id="rId30"/>
+      <p:italic r:id="rId31"/>
     </p:embeddedFont>
     <p:embeddedFont>
       <p:font typeface="Franklin Gothic Medium Cond" panose="020B0606030402020204" pitchFamily="34" charset="0"/>
-      <p:regular r:id="rId29"/>
+      <p:regular r:id="rId32"/>
     </p:embeddedFont>
   </p:embeddedFontLst>
   <p:defaultTextStyle>
@@ -268,7 +271,7 @@
           <a:p>
             <a:fld id="{01926CF7-48D8-2F46-AFC8-8A5D2298DFDD}" type="datetimeFigureOut">
               <a:rPr lang="en-US" smtClean="0"/>
-              <a:t>8/16/23</a:t>
+              <a:t>8/30/23</a:t>
             </a:fld>
             <a:endParaRPr lang="en-US"/>
           </a:p>
@@ -663,7 +666,7 @@
           <a:bodyPr/>
           <a:lstStyle/>
           <a:p>
-            <a:endParaRPr lang="en-US"/>
+            <a:endParaRPr lang="en-US" dirty="0"/>
           </a:p>
         </p:txBody>
       </p:sp>
@@ -682,7 +685,91 @@
           <a:bodyPr/>
           <a:lstStyle/>
           <a:p>
-            <a:fld id="{988F3A2B-14A6-8F47-B753-A658CA12576A}" type="slidenum">
+            <a:fld id="{237BF745-0557-B241-863F-056113C7032A}" type="slidenum">
+              <a:rPr lang="en-US" smtClean="0"/>
+              <a:t>2</a:t>
+            </a:fld>
+            <a:endParaRPr lang="en-US"/>
+          </a:p>
+        </p:txBody>
+      </p:sp>
+    </p:spTree>
+    <p:extLst>
+      <p:ext uri="{BB962C8B-B14F-4D97-AF65-F5344CB8AC3E}">
+        <p14:creationId xmlns:p14="http://schemas.microsoft.com/office/powerpoint/2010/main" val="624766079"/>
+      </p:ext>
+    </p:extLst>
+  </p:cSld>
+  <p:clrMapOvr>
+    <a:masterClrMapping/>
+  </p:clrMapOvr>
+</p:notes>
+</file>
+
+<file path=ppt/notesSlides/notesSlide3.xml><?xml version="1.0" encoding="utf-8"?>
+<p:notes xmlns:a="http://schemas.openxmlformats.org/drawingml/2006/main" xmlns:r="http://schemas.openxmlformats.org/officeDocument/2006/relationships" xmlns:p="http://schemas.openxmlformats.org/presentationml/2006/main">
+  <p:cSld>
+    <p:spTree>
+      <p:nvGrpSpPr>
+        <p:cNvPr id="1" name=""/>
+        <p:cNvGrpSpPr/>
+        <p:nvPr/>
+      </p:nvGrpSpPr>
+      <p:grpSpPr>
+        <a:xfrm>
+          <a:off x="0" y="0"/>
+          <a:ext cx="0" cy="0"/>
+          <a:chOff x="0" y="0"/>
+          <a:chExt cx="0" cy="0"/>
+        </a:xfrm>
+      </p:grpSpPr>
+      <p:sp>
+        <p:nvSpPr>
+          <p:cNvPr id="2" name="Slide Image Placeholder 1"/>
+          <p:cNvSpPr>
+            <a:spLocks noGrp="1" noRot="1" noChangeAspect="1"/>
+          </p:cNvSpPr>
+          <p:nvPr>
+            <p:ph type="sldImg"/>
+          </p:nvPr>
+        </p:nvSpPr>
+        <p:spPr/>
+      </p:sp>
+      <p:sp>
+        <p:nvSpPr>
+          <p:cNvPr id="3" name="Notes Placeholder 2"/>
+          <p:cNvSpPr>
+            <a:spLocks noGrp="1"/>
+          </p:cNvSpPr>
+          <p:nvPr>
+            <p:ph type="body" idx="1"/>
+          </p:nvPr>
+        </p:nvSpPr>
+        <p:spPr/>
+        <p:txBody>
+          <a:bodyPr/>
+          <a:lstStyle/>
+          <a:p>
+            <a:endParaRPr lang="en-US" dirty="0"/>
+          </a:p>
+        </p:txBody>
+      </p:sp>
+      <p:sp>
+        <p:nvSpPr>
+          <p:cNvPr id="4" name="Slide Number Placeholder 3"/>
+          <p:cNvSpPr>
+            <a:spLocks noGrp="1"/>
+          </p:cNvSpPr>
+          <p:nvPr>
+            <p:ph type="sldNum" sz="quarter" idx="5"/>
+          </p:nvPr>
+        </p:nvSpPr>
+        <p:spPr/>
+        <p:txBody>
+          <a:bodyPr/>
+          <a:lstStyle/>
+          <a:p>
+            <a:fld id="{237BF745-0557-B241-863F-056113C7032A}" type="slidenum">
               <a:rPr lang="en-US" smtClean="0"/>
               <a:t>3</a:t>
             </a:fld>
@@ -693,7 +780,175 @@
     </p:spTree>
     <p:extLst>
       <p:ext uri="{BB962C8B-B14F-4D97-AF65-F5344CB8AC3E}">
-        <p14:creationId xmlns:p14="http://schemas.microsoft.com/office/powerpoint/2010/main" val="1007209849"/>
+        <p14:creationId xmlns:p14="http://schemas.microsoft.com/office/powerpoint/2010/main" val="785697385"/>
+      </p:ext>
+    </p:extLst>
+  </p:cSld>
+  <p:clrMapOvr>
+    <a:masterClrMapping/>
+  </p:clrMapOvr>
+</p:notes>
+</file>
+
+<file path=ppt/notesSlides/notesSlide4.xml><?xml version="1.0" encoding="utf-8"?>
+<p:notes xmlns:a="http://schemas.openxmlformats.org/drawingml/2006/main" xmlns:r="http://schemas.openxmlformats.org/officeDocument/2006/relationships" xmlns:p="http://schemas.openxmlformats.org/presentationml/2006/main">
+  <p:cSld>
+    <p:spTree>
+      <p:nvGrpSpPr>
+        <p:cNvPr id="1" name=""/>
+        <p:cNvGrpSpPr/>
+        <p:nvPr/>
+      </p:nvGrpSpPr>
+      <p:grpSpPr>
+        <a:xfrm>
+          <a:off x="0" y="0"/>
+          <a:ext cx="0" cy="0"/>
+          <a:chOff x="0" y="0"/>
+          <a:chExt cx="0" cy="0"/>
+        </a:xfrm>
+      </p:grpSpPr>
+      <p:sp>
+        <p:nvSpPr>
+          <p:cNvPr id="2" name="Slide Image Placeholder 1"/>
+          <p:cNvSpPr>
+            <a:spLocks noGrp="1" noRot="1" noChangeAspect="1"/>
+          </p:cNvSpPr>
+          <p:nvPr>
+            <p:ph type="sldImg"/>
+          </p:nvPr>
+        </p:nvSpPr>
+        <p:spPr/>
+      </p:sp>
+      <p:sp>
+        <p:nvSpPr>
+          <p:cNvPr id="3" name="Notes Placeholder 2"/>
+          <p:cNvSpPr>
+            <a:spLocks noGrp="1"/>
+          </p:cNvSpPr>
+          <p:nvPr>
+            <p:ph type="body" idx="1"/>
+          </p:nvPr>
+        </p:nvSpPr>
+        <p:spPr/>
+        <p:txBody>
+          <a:bodyPr/>
+          <a:lstStyle/>
+          <a:p>
+            <a:endParaRPr lang="en-US" dirty="0"/>
+          </a:p>
+        </p:txBody>
+      </p:sp>
+      <p:sp>
+        <p:nvSpPr>
+          <p:cNvPr id="4" name="Slide Number Placeholder 3"/>
+          <p:cNvSpPr>
+            <a:spLocks noGrp="1"/>
+          </p:cNvSpPr>
+          <p:nvPr>
+            <p:ph type="sldNum" sz="quarter" idx="5"/>
+          </p:nvPr>
+        </p:nvSpPr>
+        <p:spPr/>
+        <p:txBody>
+          <a:bodyPr/>
+          <a:lstStyle/>
+          <a:p>
+            <a:fld id="{237BF745-0557-B241-863F-056113C7032A}" type="slidenum">
+              <a:rPr lang="en-US" smtClean="0"/>
+              <a:t>4</a:t>
+            </a:fld>
+            <a:endParaRPr lang="en-US"/>
+          </a:p>
+        </p:txBody>
+      </p:sp>
+    </p:spTree>
+    <p:extLst>
+      <p:ext uri="{BB962C8B-B14F-4D97-AF65-F5344CB8AC3E}">
+        <p14:creationId xmlns:p14="http://schemas.microsoft.com/office/powerpoint/2010/main" val="2326970338"/>
+      </p:ext>
+    </p:extLst>
+  </p:cSld>
+  <p:clrMapOvr>
+    <a:masterClrMapping/>
+  </p:clrMapOvr>
+</p:notes>
+</file>
+
+<file path=ppt/notesSlides/notesSlide5.xml><?xml version="1.0" encoding="utf-8"?>
+<p:notes xmlns:a="http://schemas.openxmlformats.org/drawingml/2006/main" xmlns:r="http://schemas.openxmlformats.org/officeDocument/2006/relationships" xmlns:p="http://schemas.openxmlformats.org/presentationml/2006/main">
+  <p:cSld>
+    <p:spTree>
+      <p:nvGrpSpPr>
+        <p:cNvPr id="1" name=""/>
+        <p:cNvGrpSpPr/>
+        <p:nvPr/>
+      </p:nvGrpSpPr>
+      <p:grpSpPr>
+        <a:xfrm>
+          <a:off x="0" y="0"/>
+          <a:ext cx="0" cy="0"/>
+          <a:chOff x="0" y="0"/>
+          <a:chExt cx="0" cy="0"/>
+        </a:xfrm>
+      </p:grpSpPr>
+      <p:sp>
+        <p:nvSpPr>
+          <p:cNvPr id="2" name="Slide Image Placeholder 1"/>
+          <p:cNvSpPr>
+            <a:spLocks noGrp="1" noRot="1" noChangeAspect="1"/>
+          </p:cNvSpPr>
+          <p:nvPr>
+            <p:ph type="sldImg"/>
+          </p:nvPr>
+        </p:nvSpPr>
+        <p:spPr/>
+      </p:sp>
+      <p:sp>
+        <p:nvSpPr>
+          <p:cNvPr id="3" name="Notes Placeholder 2"/>
+          <p:cNvSpPr>
+            <a:spLocks noGrp="1"/>
+          </p:cNvSpPr>
+          <p:nvPr>
+            <p:ph type="body" idx="1"/>
+          </p:nvPr>
+        </p:nvSpPr>
+        <p:spPr/>
+        <p:txBody>
+          <a:bodyPr/>
+          <a:lstStyle/>
+          <a:p>
+            <a:endParaRPr lang="en-US" dirty="0"/>
+          </a:p>
+        </p:txBody>
+      </p:sp>
+      <p:sp>
+        <p:nvSpPr>
+          <p:cNvPr id="4" name="Slide Number Placeholder 3"/>
+          <p:cNvSpPr>
+            <a:spLocks noGrp="1"/>
+          </p:cNvSpPr>
+          <p:nvPr>
+            <p:ph type="sldNum" sz="quarter" idx="5"/>
+          </p:nvPr>
+        </p:nvSpPr>
+        <p:spPr/>
+        <p:txBody>
+          <a:bodyPr/>
+          <a:lstStyle/>
+          <a:p>
+            <a:fld id="{237BF745-0557-B241-863F-056113C7032A}" type="slidenum">
+              <a:rPr lang="en-US" smtClean="0"/>
+              <a:t>5</a:t>
+            </a:fld>
+            <a:endParaRPr lang="en-US"/>
+          </a:p>
+        </p:txBody>
+      </p:sp>
+    </p:spTree>
+    <p:extLst>
+      <p:ext uri="{BB962C8B-B14F-4D97-AF65-F5344CB8AC3E}">
+        <p14:creationId xmlns:p14="http://schemas.microsoft.com/office/powerpoint/2010/main" val="2949750876"/>
       </p:ext>
     </p:extLst>
   </p:cSld>
@@ -12955,7 +13210,7 @@
             <a:fld id="{D47A9A36-4EB0-BF46-AE48-7CDA251B954B}" type="datetime1">
               <a:rPr lang="en-US" smtClean="0"/>
               <a:pPr/>
-              <a:t>8/16/23</a:t>
+              <a:t>8/30/23</a:t>
             </a:fld>
             <a:endParaRPr lang="en-US"/>
           </a:p>
@@ -16186,7 +16441,7 @@
                   <a:srgbClr val="EBD99F"/>
                 </a:solidFill>
               </a:rPr>
-              <a:t>Sprint Retrospective </a:t>
+              <a:t>Sprint Review Kahoot (8 minutes)</a:t>
             </a:r>
           </a:p>
         </p:txBody>
@@ -16349,243 +16604,86 @@
             <a:fld id="{E0C8DACD-4E35-4E4C-AC75-C3DE50F04E7E}" type="datetime1">
               <a:rPr lang="en-US" smtClean="0"/>
               <a:pPr/>
-              <a:t>8/16/23</a:t>
+              <a:t>8/30/23</a:t>
             </a:fld>
             <a:endParaRPr lang="en-US"/>
           </a:p>
         </p:txBody>
       </p:sp>
-      <p:sp>
-        <p:nvSpPr>
-          <p:cNvPr id="7" name="Text Placeholder 2">
-            <a:extLst>
-              <a:ext uri="{FF2B5EF4-FFF2-40B4-BE49-F238E27FC236}">
-                <a16:creationId xmlns:a16="http://schemas.microsoft.com/office/drawing/2014/main" id="{EE388497-E684-709C-58BB-E0CD5F4CEA90}"/>
-              </a:ext>
-            </a:extLst>
-          </p:cNvPr>
-          <p:cNvSpPr txBox="1">
-            <a:spLocks/>
-          </p:cNvSpPr>
+      <p:pic>
+        <p:nvPicPr>
+          <p:cNvPr id="1026" name="Picture 2" descr="Kahoot! | Community of Online Research Assignments">
+            <a:extLst>
+              <a:ext uri="{FF2B5EF4-FFF2-40B4-BE49-F238E27FC236}">
+                <a16:creationId xmlns:a16="http://schemas.microsoft.com/office/drawing/2014/main" id="{706301AB-2337-B601-58E1-827AA6808960}"/>
+              </a:ext>
+            </a:extLst>
+          </p:cNvPr>
+          <p:cNvPicPr>
+            <a:picLocks noChangeAspect="1" noChangeArrowheads="1"/>
+          </p:cNvPicPr>
           <p:nvPr/>
-        </p:nvSpPr>
-        <p:spPr>
-          <a:xfrm>
-            <a:off x="2101510" y="1591421"/>
-            <a:ext cx="7763458" cy="449263"/>
+        </p:nvPicPr>
+        <p:blipFill>
+          <a:blip r:embed="rId3">
+            <a:extLst>
+              <a:ext uri="{28A0092B-C50C-407E-A947-70E740481C1C}">
+                <a14:useLocalDpi xmlns:a14="http://schemas.microsoft.com/office/drawing/2010/main" val="0"/>
+              </a:ext>
+            </a:extLst>
+          </a:blip>
+          <a:srcRect/>
+          <a:stretch>
+            <a:fillRect/>
+          </a:stretch>
+        </p:blipFill>
+        <p:spPr bwMode="auto">
+          <a:xfrm>
+            <a:off x="1971675" y="1859181"/>
+            <a:ext cx="8299450" cy="4668441"/>
           </a:xfrm>
           <a:prstGeom prst="rect">
             <a:avLst/>
           </a:prstGeom>
-        </p:spPr>
-        <p:txBody>
-          <a:bodyPr/>
-          <a:lstStyle>
-            <a:lvl1pPr marL="228600" indent="-228600" algn="l" defTabSz="914400" rtl="0" eaLnBrk="1" latinLnBrk="0" hangingPunct="1">
-              <a:lnSpc>
-                <a:spcPct val="100000"/>
-              </a:lnSpc>
-              <a:spcBef>
-                <a:spcPts val="1000"/>
-              </a:spcBef>
-              <a:buClr>
-                <a:schemeClr val="accent2"/>
-              </a:buClr>
-              <a:buFont typeface="Arial" panose="020B0604020202020204" pitchFamily="34" charset="0"/>
-              <a:buChar char="•"/>
-              <a:defRPr sz="1800" kern="1200">
-                <a:solidFill>
-                  <a:schemeClr val="tx1">
-                    <a:lumMod val="85000"/>
-                    <a:lumOff val="15000"/>
-                  </a:schemeClr>
-                </a:solidFill>
-                <a:latin typeface="+mn-lt"/>
-                <a:ea typeface="+mn-ea"/>
-                <a:cs typeface="+mn-cs"/>
-              </a:defRPr>
-            </a:lvl1pPr>
-            <a:lvl2pPr marL="457200" indent="-228600" algn="l" defTabSz="914400" rtl="0" eaLnBrk="1" latinLnBrk="0" hangingPunct="1">
-              <a:lnSpc>
-                <a:spcPct val="100000"/>
-              </a:lnSpc>
-              <a:spcBef>
-                <a:spcPts val="1000"/>
-              </a:spcBef>
-              <a:buClr>
-                <a:schemeClr val="accent2"/>
-              </a:buClr>
-              <a:buFont typeface="Arial" panose="020B0604020202020204" pitchFamily="34" charset="0"/>
-              <a:buChar char="•"/>
-              <a:defRPr sz="1600" kern="1200">
-                <a:solidFill>
-                  <a:schemeClr val="tx1">
-                    <a:lumMod val="85000"/>
-                    <a:lumOff val="15000"/>
-                  </a:schemeClr>
-                </a:solidFill>
-                <a:latin typeface="+mn-lt"/>
-                <a:ea typeface="+mn-ea"/>
-                <a:cs typeface="+mn-cs"/>
-              </a:defRPr>
-            </a:lvl2pPr>
-            <a:lvl3pPr marL="685800" indent="-228600" algn="l" defTabSz="914400" rtl="0" eaLnBrk="1" latinLnBrk="0" hangingPunct="1">
-              <a:lnSpc>
-                <a:spcPct val="100000"/>
-              </a:lnSpc>
-              <a:spcBef>
-                <a:spcPts val="1000"/>
-              </a:spcBef>
-              <a:buClr>
-                <a:schemeClr val="accent2"/>
-              </a:buClr>
-              <a:buFont typeface="Arial" panose="020B0604020202020204" pitchFamily="34" charset="0"/>
-              <a:buChar char="•"/>
-              <a:defRPr sz="1600" kern="1200">
-                <a:solidFill>
-                  <a:schemeClr val="tx1">
-                    <a:lumMod val="85000"/>
-                    <a:lumOff val="15000"/>
-                  </a:schemeClr>
-                </a:solidFill>
-                <a:latin typeface="+mn-lt"/>
-                <a:ea typeface="+mn-ea"/>
-                <a:cs typeface="+mn-cs"/>
-              </a:defRPr>
-            </a:lvl3pPr>
-            <a:lvl4pPr marL="914400" indent="-228600" algn="l" defTabSz="914400" rtl="0" eaLnBrk="1" latinLnBrk="0" hangingPunct="1">
-              <a:lnSpc>
-                <a:spcPct val="100000"/>
-              </a:lnSpc>
-              <a:spcBef>
-                <a:spcPts val="1000"/>
-              </a:spcBef>
-              <a:buClr>
-                <a:schemeClr val="accent2"/>
-              </a:buClr>
-              <a:buFont typeface="Arial" panose="020B0604020202020204" pitchFamily="34" charset="0"/>
-              <a:buChar char="•"/>
-              <a:defRPr sz="1600" kern="1200">
-                <a:solidFill>
-                  <a:schemeClr val="tx1">
-                    <a:lumMod val="85000"/>
-                    <a:lumOff val="15000"/>
-                  </a:schemeClr>
-                </a:solidFill>
-                <a:latin typeface="+mn-lt"/>
-                <a:ea typeface="+mn-ea"/>
-                <a:cs typeface="+mn-cs"/>
-              </a:defRPr>
-            </a:lvl4pPr>
-            <a:lvl5pPr marL="1143000" indent="-228600" algn="l" defTabSz="914400" rtl="0" eaLnBrk="1" latinLnBrk="0" hangingPunct="1">
-              <a:lnSpc>
-                <a:spcPct val="100000"/>
-              </a:lnSpc>
-              <a:spcBef>
-                <a:spcPts val="1000"/>
-              </a:spcBef>
-              <a:buClr>
-                <a:schemeClr val="accent2"/>
-              </a:buClr>
-              <a:buFont typeface="Arial" panose="020B0604020202020204" pitchFamily="34" charset="0"/>
-              <a:buChar char="•"/>
-              <a:defRPr sz="1600" kern="1200">
-                <a:solidFill>
-                  <a:schemeClr val="tx1">
-                    <a:lumMod val="85000"/>
-                    <a:lumOff val="15000"/>
-                  </a:schemeClr>
-                </a:solidFill>
-                <a:latin typeface="+mn-lt"/>
-                <a:ea typeface="+mn-ea"/>
-                <a:cs typeface="+mn-cs"/>
-              </a:defRPr>
-            </a:lvl5pPr>
-            <a:lvl6pPr marL="1314450" indent="-228600" algn="l" defTabSz="914400" rtl="0" eaLnBrk="1" latinLnBrk="0" hangingPunct="1">
-              <a:lnSpc>
-                <a:spcPct val="100000"/>
-              </a:lnSpc>
-              <a:spcBef>
-                <a:spcPts val="1000"/>
-              </a:spcBef>
-              <a:buClr>
-                <a:schemeClr val="accent2"/>
-              </a:buClr>
-              <a:buFont typeface="Arial" panose="020B0604020202020204" pitchFamily="34" charset="0"/>
-              <a:buChar char="•"/>
-              <a:defRPr sz="1600" kern="1200">
-                <a:solidFill>
-                  <a:schemeClr val="tx1"/>
-                </a:solidFill>
-                <a:latin typeface="+mn-lt"/>
-                <a:ea typeface="+mn-ea"/>
-                <a:cs typeface="+mn-cs"/>
-              </a:defRPr>
-            </a:lvl6pPr>
-            <a:lvl7pPr marL="1485900" indent="-228600" algn="l" defTabSz="914400" rtl="0" eaLnBrk="1" latinLnBrk="0" hangingPunct="1">
-              <a:lnSpc>
-                <a:spcPct val="100000"/>
-              </a:lnSpc>
-              <a:spcBef>
-                <a:spcPts val="1000"/>
-              </a:spcBef>
-              <a:buClr>
-                <a:schemeClr val="accent2"/>
-              </a:buClr>
-              <a:buFont typeface="Arial" panose="020B0604020202020204" pitchFamily="34" charset="0"/>
-              <a:buChar char="•"/>
-              <a:defRPr sz="1600" kern="1200">
-                <a:solidFill>
-                  <a:schemeClr val="tx1"/>
-                </a:solidFill>
-                <a:latin typeface="+mn-lt"/>
-                <a:ea typeface="+mn-ea"/>
-                <a:cs typeface="+mn-cs"/>
-              </a:defRPr>
-            </a:lvl7pPr>
-            <a:lvl8pPr marL="1657350" indent="-228600" algn="l" defTabSz="914400" rtl="0" eaLnBrk="1" latinLnBrk="0" hangingPunct="1">
-              <a:lnSpc>
-                <a:spcPct val="100000"/>
-              </a:lnSpc>
-              <a:spcBef>
-                <a:spcPts val="1000"/>
-              </a:spcBef>
-              <a:buClr>
-                <a:schemeClr val="accent2"/>
-              </a:buClr>
-              <a:buFont typeface="Arial" panose="020B0604020202020204" pitchFamily="34" charset="0"/>
-              <a:buChar char="•"/>
-              <a:defRPr sz="1600" kern="1200" baseline="0">
-                <a:solidFill>
-                  <a:schemeClr val="tx1"/>
-                </a:solidFill>
-                <a:latin typeface="+mn-lt"/>
-                <a:ea typeface="+mn-ea"/>
-                <a:cs typeface="+mn-cs"/>
-              </a:defRPr>
-            </a:lvl8pPr>
-            <a:lvl9pPr marL="1828800" indent="-228600" algn="l" defTabSz="914400" rtl="0" eaLnBrk="1" latinLnBrk="0" hangingPunct="1">
-              <a:lnSpc>
-                <a:spcPct val="100000"/>
-              </a:lnSpc>
-              <a:spcBef>
-                <a:spcPts val="1000"/>
-              </a:spcBef>
-              <a:buClr>
-                <a:schemeClr val="accent2"/>
-              </a:buClr>
-              <a:buFont typeface="Arial" panose="020B0604020202020204" pitchFamily="34" charset="0"/>
-              <a:buChar char="•"/>
-              <a:defRPr sz="1600" kern="1200" baseline="0">
-                <a:solidFill>
-                  <a:schemeClr val="tx1"/>
-                </a:solidFill>
-                <a:latin typeface="+mn-lt"/>
-                <a:ea typeface="+mn-ea"/>
-                <a:cs typeface="+mn-cs"/>
-              </a:defRPr>
-            </a:lvl9pPr>
-          </a:lstStyle>
+          <a:noFill/>
+          <a:extLst>
+            <a:ext uri="{909E8E84-426E-40DD-AFC4-6F175D3DCCD1}">
+              <a14:hiddenFill xmlns:a14="http://schemas.microsoft.com/office/drawing/2010/main">
+                <a:solidFill>
+                  <a:srgbClr val="FFFFFF"/>
+                </a:solidFill>
+              </a14:hiddenFill>
+            </a:ext>
+          </a:extLst>
+        </p:spPr>
+      </p:pic>
+      <p:sp>
+        <p:nvSpPr>
+          <p:cNvPr id="2" name="TextBox 1">
+            <a:extLst>
+              <a:ext uri="{FF2B5EF4-FFF2-40B4-BE49-F238E27FC236}">
+                <a16:creationId xmlns:a16="http://schemas.microsoft.com/office/drawing/2014/main" id="{B6BA4F46-BAE2-18F8-A826-9EC0425B33EE}"/>
+              </a:ext>
+            </a:extLst>
+          </p:cNvPr>
+          <p:cNvSpPr txBox="1"/>
+          <p:nvPr/>
+        </p:nvSpPr>
+        <p:spPr>
+          <a:xfrm>
+            <a:off x="1936750" y="1212850"/>
+            <a:ext cx="8369300" cy="646331"/>
+          </a:xfrm>
+          <a:prstGeom prst="rect">
+            <a:avLst/>
+          </a:prstGeom>
+          <a:noFill/>
+        </p:spPr>
+        <p:txBody>
+          <a:bodyPr wrap="square" rtlCol="0">
+            <a:spAutoFit/>
+          </a:bodyPr>
+          <a:lstStyle/>
           <a:p>
             <a:r>
               <a:rPr lang="en-US" dirty="0">
@@ -16593,69 +16691,47 @@
                   <a:schemeClr val="bg1"/>
                 </a:solidFill>
               </a:rPr>
-              <a:t>What went well?</a:t>
-            </a:r>
-          </a:p>
-          <a:p>
+              <a:t>Kahoot Link: </a:t>
+            </a:r>
+            <a:r>
+              <a:rPr lang="en-US" dirty="0">
+                <a:solidFill>
+                  <a:schemeClr val="bg1"/>
+                </a:solidFill>
+                <a:hlinkClick r:id="rId4"/>
+              </a:rPr>
+              <a:t>https://</a:t>
+            </a:r>
+            <a:r>
+              <a:rPr lang="en-US" dirty="0" err="1">
+                <a:solidFill>
+                  <a:schemeClr val="bg1"/>
+                </a:solidFill>
+                <a:hlinkClick r:id="rId4"/>
+              </a:rPr>
+              <a:t>create.kahoot.it</a:t>
+            </a:r>
+            <a:r>
+              <a:rPr lang="en-US" dirty="0">
+                <a:solidFill>
+                  <a:schemeClr val="bg1"/>
+                </a:solidFill>
+                <a:hlinkClick r:id="rId4"/>
+              </a:rPr>
+              <a:t>/share/tdm-agile-review/2d89128e-9e57-4d18-8f67-4e8b703d7493</a:t>
+            </a:r>
             <a:endParaRPr lang="en-US" dirty="0">
               <a:solidFill>
                 <a:schemeClr val="bg1"/>
               </a:solidFill>
             </a:endParaRPr>
           </a:p>
-          <a:p>
-            <a:r>
-              <a:rPr lang="en-US" dirty="0">
-                <a:solidFill>
-                  <a:schemeClr val="bg1"/>
-                </a:solidFill>
-              </a:rPr>
-              <a:t>What went less?</a:t>
-            </a:r>
-          </a:p>
-          <a:p>
-            <a:endParaRPr lang="en-US" dirty="0">
-              <a:solidFill>
-                <a:schemeClr val="bg1"/>
-              </a:solidFill>
-            </a:endParaRPr>
-          </a:p>
-          <a:p>
-            <a:r>
-              <a:rPr lang="en-US" dirty="0">
-                <a:solidFill>
-                  <a:schemeClr val="bg1"/>
-                </a:solidFill>
-              </a:rPr>
-              <a:t>What do we want to try next?</a:t>
-            </a:r>
-          </a:p>
-          <a:p>
-            <a:endParaRPr lang="en-US" dirty="0">
-              <a:solidFill>
-                <a:schemeClr val="bg1"/>
-              </a:solidFill>
-            </a:endParaRPr>
-          </a:p>
-          <a:p>
-            <a:r>
-              <a:rPr lang="en-US" dirty="0">
-                <a:solidFill>
-                  <a:schemeClr val="bg1"/>
-                </a:solidFill>
-              </a:rPr>
-              <a:t>What questions do we have?</a:t>
-            </a:r>
-          </a:p>
-          <a:p>
-            <a:endParaRPr lang="en-US" dirty="0"/>
-          </a:p>
         </p:txBody>
       </p:sp>
     </p:spTree>
     <p:extLst>
       <p:ext uri="{BB962C8B-B14F-4D97-AF65-F5344CB8AC3E}">
-        <p14:creationId xmlns:p14="http://schemas.microsoft.com/office/powerpoint/2010/main" val="631978358"/>
+        <p14:creationId xmlns:p14="http://schemas.microsoft.com/office/powerpoint/2010/main" val="2128376682"/>
       </p:ext>
     </p:extLst>
   </p:cSld>
@@ -16684,10 +16760,10 @@
       </p:grpSpPr>
       <p:sp>
         <p:nvSpPr>
-          <p:cNvPr id="2" name="Title 1">
-            <a:extLst>
-              <a:ext uri="{FF2B5EF4-FFF2-40B4-BE49-F238E27FC236}">
-                <a16:creationId xmlns:a16="http://schemas.microsoft.com/office/drawing/2014/main" id="{793B5732-930D-434D-F72B-85BB9BA7FB9D}"/>
+          <p:cNvPr id="6" name="Title 5">
+            <a:extLst>
+              <a:ext uri="{FF2B5EF4-FFF2-40B4-BE49-F238E27FC236}">
+                <a16:creationId xmlns:a16="http://schemas.microsoft.com/office/drawing/2014/main" id="{D08AB06A-6B63-9A84-6282-A333F77AFEA1}"/>
               </a:ext>
             </a:extLst>
           </p:cNvPr>
@@ -16700,8 +16776,8 @@
         </p:nvSpPr>
         <p:spPr>
           <a:xfrm>
-            <a:off x="2101510" y="231273"/>
-            <a:ext cx="9551302" cy="768672"/>
+            <a:off x="2101510" y="370921"/>
+            <a:ext cx="7988980" cy="626325"/>
           </a:xfrm>
         </p:spPr>
         <p:txBody>
@@ -16709,38 +16785,22 @@
           <a:lstStyle/>
           <a:p>
             <a:r>
-              <a:rPr lang="en-US" sz="5400" dirty="0">
+              <a:rPr lang="en-US" sz="4400" dirty="0">
                 <a:solidFill>
                   <a:srgbClr val="EBD99F"/>
                 </a:solidFill>
               </a:rPr>
-              <a:t>Setup </a:t>
-            </a:r>
-            <a:r>
-              <a:rPr lang="en-US" sz="5400" dirty="0" err="1">
-                <a:solidFill>
-                  <a:srgbClr val="EBD99F"/>
-                </a:solidFill>
-              </a:rPr>
-              <a:t>Github</a:t>
-            </a:r>
-            <a:r>
-              <a:rPr lang="en-US" sz="5400" dirty="0">
-                <a:solidFill>
-                  <a:srgbClr val="EBD99F"/>
-                </a:solidFill>
-              </a:rPr>
-              <a:t> on Anvil</a:t>
-            </a:r>
-          </a:p>
-        </p:txBody>
-      </p:sp>
-      <p:sp>
-        <p:nvSpPr>
-          <p:cNvPr id="6" name="Slide Number Placeholder 5">
-            <a:extLst>
-              <a:ext uri="{FF2B5EF4-FFF2-40B4-BE49-F238E27FC236}">
-                <a16:creationId xmlns:a16="http://schemas.microsoft.com/office/drawing/2014/main" id="{FFAE1C52-3148-6BB5-7F01-CBFD7692687E}"/>
+              <a:t>Sprint Retrospective (8 minutes) </a:t>
+            </a:r>
+          </a:p>
+        </p:txBody>
+      </p:sp>
+      <p:sp>
+        <p:nvSpPr>
+          <p:cNvPr id="5" name="Slide Number Placeholder 4">
+            <a:extLst>
+              <a:ext uri="{FF2B5EF4-FFF2-40B4-BE49-F238E27FC236}">
+                <a16:creationId xmlns:a16="http://schemas.microsoft.com/office/drawing/2014/main" id="{079CDBEF-9D1D-DDB1-C4C8-A9817DA62F9A}"/>
               </a:ext>
             </a:extLst>
           </p:cNvPr>
@@ -16767,114 +16827,144 @@
       </p:sp>
       <p:sp>
         <p:nvSpPr>
-          <p:cNvPr id="5" name="Text Placeholder 4">
-            <a:extLst>
-              <a:ext uri="{FF2B5EF4-FFF2-40B4-BE49-F238E27FC236}">
-                <a16:creationId xmlns:a16="http://schemas.microsoft.com/office/drawing/2014/main" id="{10F51201-6CCA-158A-F962-2D2451997A6D}"/>
-              </a:ext>
-            </a:extLst>
-          </p:cNvPr>
-          <p:cNvSpPr>
-            <a:spLocks noGrp="1"/>
-          </p:cNvSpPr>
-          <p:nvPr>
-            <p:ph type="body" sz="quarter" idx="14"/>
-          </p:nvPr>
-        </p:nvSpPr>
-        <p:spPr>
-          <a:xfrm>
-            <a:off x="1743095" y="1216555"/>
-            <a:ext cx="11246713" cy="3411537"/>
-          </a:xfrm>
-        </p:spPr>
-        <p:txBody>
-          <a:bodyPr/>
-          <a:lstStyle/>
-          <a:p>
-            <a:pPr marL="0" indent="0">
-              <a:buNone/>
-            </a:pPr>
-            <a:r>
-              <a:rPr lang="en-US" dirty="0" err="1"/>
-              <a:t>Github</a:t>
-            </a:r>
-            <a:r>
-              <a:rPr lang="en-US" dirty="0"/>
-              <a:t> on Anvil guide (https://the-examples-</a:t>
-            </a:r>
-            <a:r>
-              <a:rPr lang="en-US" dirty="0" err="1"/>
-              <a:t>book.com</a:t>
-            </a:r>
-            <a:r>
-              <a:rPr lang="en-US" dirty="0"/>
-              <a:t>/starter-guides/tools-and-standards/git/</a:t>
-            </a:r>
-            <a:r>
-              <a:rPr lang="en-US" dirty="0" err="1"/>
-              <a:t>github</a:t>
-            </a:r>
-            <a:r>
-              <a:rPr lang="en-US" dirty="0"/>
-              <a:t>-anvil)</a:t>
-            </a:r>
-          </a:p>
-        </p:txBody>
-      </p:sp>
-      <p:pic>
-        <p:nvPicPr>
-          <p:cNvPr id="1026" name="Picture 2" descr="What is GitHub? — Pythia Foundations">
-            <a:hlinkClick r:id="rId3"/>
-            <a:extLst>
-              <a:ext uri="{FF2B5EF4-FFF2-40B4-BE49-F238E27FC236}">
-                <a16:creationId xmlns:a16="http://schemas.microsoft.com/office/drawing/2014/main" id="{EEE358D3-139B-2261-B780-7B29DD7BF99B}"/>
-              </a:ext>
-            </a:extLst>
-          </p:cNvPr>
-          <p:cNvPicPr>
-            <a:picLocks noChangeAspect="1" noChangeArrowheads="1"/>
-          </p:cNvPicPr>
-          <p:nvPr/>
-        </p:nvPicPr>
-        <p:blipFill>
-          <a:blip r:embed="rId4">
-            <a:extLst>
-              <a:ext uri="{28A0092B-C50C-407E-A947-70E740481C1C}">
-                <a14:useLocalDpi xmlns:a14="http://schemas.microsoft.com/office/drawing/2010/main" val="0"/>
-              </a:ext>
-            </a:extLst>
-          </a:blip>
-          <a:srcRect/>
-          <a:stretch>
-            <a:fillRect/>
-          </a:stretch>
-        </p:blipFill>
-        <p:spPr bwMode="auto">
-          <a:xfrm>
-            <a:off x="1393967" y="3214136"/>
-            <a:ext cx="4996719" cy="2810654"/>
+          <p:cNvPr id="4" name="Date Placeholder 3">
+            <a:extLst>
+              <a:ext uri="{FF2B5EF4-FFF2-40B4-BE49-F238E27FC236}">
+                <a16:creationId xmlns:a16="http://schemas.microsoft.com/office/drawing/2014/main" id="{4CDE6F09-9B10-5238-7123-0B118E57F72B}"/>
+              </a:ext>
+            </a:extLst>
+          </p:cNvPr>
+          <p:cNvSpPr>
+            <a:spLocks noGrp="1"/>
+          </p:cNvSpPr>
+          <p:nvPr>
+            <p:ph type="dt" sz="half" idx="4294967295"/>
+          </p:nvPr>
+        </p:nvSpPr>
+        <p:spPr>
+          <a:xfrm>
+            <a:off x="8744769" y="6227670"/>
+            <a:ext cx="1161231" cy="323968"/>
           </a:xfrm>
           <a:prstGeom prst="rect">
             <a:avLst/>
           </a:prstGeom>
-          <a:noFill/>
-          <a:extLst>
-            <a:ext uri="{909E8E84-426E-40DD-AFC4-6F175D3DCCD1}">
-              <a14:hiddenFill xmlns:a14="http://schemas.microsoft.com/office/drawing/2010/main">
-                <a:solidFill>
-                  <a:srgbClr val="FFFFFF"/>
-                </a:solidFill>
-              </a14:hiddenFill>
-            </a:ext>
-          </a:extLst>
-        </p:spPr>
-      </p:pic>
-      <p:sp>
-        <p:nvSpPr>
-          <p:cNvPr id="10" name="Text Placeholder 2">
-            <a:extLst>
-              <a:ext uri="{FF2B5EF4-FFF2-40B4-BE49-F238E27FC236}">
-                <a16:creationId xmlns:a16="http://schemas.microsoft.com/office/drawing/2014/main" id="{FB668488-CFC3-A63F-5BE1-7D433C2E4E9A}"/>
+        </p:spPr>
+        <p:txBody>
+          <a:bodyPr vert="horz" lIns="91440" tIns="45720" rIns="91440" bIns="45720" rtlCol="0" anchor="ctr"/>
+          <a:lstStyle>
+            <a:defPPr>
+              <a:defRPr lang="en-US"/>
+            </a:defPPr>
+            <a:lvl1pPr marL="0" algn="r" defTabSz="457200" rtl="0" eaLnBrk="1" latinLnBrk="0" hangingPunct="1">
+              <a:defRPr sz="1000" b="0" i="0" kern="1200">
+                <a:solidFill>
+                  <a:schemeClr val="tx1">
+                    <a:alpha val="70000"/>
+                  </a:schemeClr>
+                </a:solidFill>
+                <a:latin typeface="Acumin Pro" panose="020B0504020202020204" pitchFamily="34" charset="77"/>
+                <a:ea typeface="+mn-ea"/>
+                <a:cs typeface="+mn-cs"/>
+              </a:defRPr>
+            </a:lvl1pPr>
+            <a:lvl2pPr marL="457200" algn="l" defTabSz="457200" rtl="0" eaLnBrk="1" latinLnBrk="0" hangingPunct="1">
+              <a:defRPr sz="1800" kern="1200">
+                <a:solidFill>
+                  <a:schemeClr val="tx1"/>
+                </a:solidFill>
+                <a:latin typeface="+mn-lt"/>
+                <a:ea typeface="+mn-ea"/>
+                <a:cs typeface="+mn-cs"/>
+              </a:defRPr>
+            </a:lvl2pPr>
+            <a:lvl3pPr marL="914400" algn="l" defTabSz="457200" rtl="0" eaLnBrk="1" latinLnBrk="0" hangingPunct="1">
+              <a:defRPr sz="1800" kern="1200">
+                <a:solidFill>
+                  <a:schemeClr val="tx1"/>
+                </a:solidFill>
+                <a:latin typeface="+mn-lt"/>
+                <a:ea typeface="+mn-ea"/>
+                <a:cs typeface="+mn-cs"/>
+              </a:defRPr>
+            </a:lvl3pPr>
+            <a:lvl4pPr marL="1371600" algn="l" defTabSz="457200" rtl="0" eaLnBrk="1" latinLnBrk="0" hangingPunct="1">
+              <a:defRPr sz="1800" kern="1200">
+                <a:solidFill>
+                  <a:schemeClr val="tx1"/>
+                </a:solidFill>
+                <a:latin typeface="+mn-lt"/>
+                <a:ea typeface="+mn-ea"/>
+                <a:cs typeface="+mn-cs"/>
+              </a:defRPr>
+            </a:lvl4pPr>
+            <a:lvl5pPr marL="1828800" algn="l" defTabSz="457200" rtl="0" eaLnBrk="1" latinLnBrk="0" hangingPunct="1">
+              <a:defRPr sz="1800" kern="1200">
+                <a:solidFill>
+                  <a:schemeClr val="tx1"/>
+                </a:solidFill>
+                <a:latin typeface="+mn-lt"/>
+                <a:ea typeface="+mn-ea"/>
+                <a:cs typeface="+mn-cs"/>
+              </a:defRPr>
+            </a:lvl5pPr>
+            <a:lvl6pPr marL="2286000" algn="l" defTabSz="457200" rtl="0" eaLnBrk="1" latinLnBrk="0" hangingPunct="1">
+              <a:defRPr sz="1800" kern="1200">
+                <a:solidFill>
+                  <a:schemeClr val="tx1"/>
+                </a:solidFill>
+                <a:latin typeface="+mn-lt"/>
+                <a:ea typeface="+mn-ea"/>
+                <a:cs typeface="+mn-cs"/>
+              </a:defRPr>
+            </a:lvl6pPr>
+            <a:lvl7pPr marL="2743200" algn="l" defTabSz="457200" rtl="0" eaLnBrk="1" latinLnBrk="0" hangingPunct="1">
+              <a:defRPr sz="1800" kern="1200">
+                <a:solidFill>
+                  <a:schemeClr val="tx1"/>
+                </a:solidFill>
+                <a:latin typeface="+mn-lt"/>
+                <a:ea typeface="+mn-ea"/>
+                <a:cs typeface="+mn-cs"/>
+              </a:defRPr>
+            </a:lvl7pPr>
+            <a:lvl8pPr marL="3200400" algn="l" defTabSz="457200" rtl="0" eaLnBrk="1" latinLnBrk="0" hangingPunct="1">
+              <a:defRPr sz="1800" kern="1200">
+                <a:solidFill>
+                  <a:schemeClr val="tx1"/>
+                </a:solidFill>
+                <a:latin typeface="+mn-lt"/>
+                <a:ea typeface="+mn-ea"/>
+                <a:cs typeface="+mn-cs"/>
+              </a:defRPr>
+            </a:lvl8pPr>
+            <a:lvl9pPr marL="3657600" algn="l" defTabSz="457200" rtl="0" eaLnBrk="1" latinLnBrk="0" hangingPunct="1">
+              <a:defRPr sz="1800" kern="1200">
+                <a:solidFill>
+                  <a:schemeClr val="tx1"/>
+                </a:solidFill>
+                <a:latin typeface="+mn-lt"/>
+                <a:ea typeface="+mn-ea"/>
+                <a:cs typeface="+mn-cs"/>
+              </a:defRPr>
+            </a:lvl9pPr>
+          </a:lstStyle>
+          <a:p>
+            <a:fld id="{E0C8DACD-4E35-4E4C-AC75-C3DE50F04E7E}" type="datetime1">
+              <a:rPr lang="en-US" smtClean="0"/>
+              <a:pPr/>
+              <a:t>8/30/23</a:t>
+            </a:fld>
+            <a:endParaRPr lang="en-US"/>
+          </a:p>
+        </p:txBody>
+      </p:sp>
+      <p:sp>
+        <p:nvSpPr>
+          <p:cNvPr id="7" name="Text Placeholder 2">
+            <a:extLst>
+              <a:ext uri="{FF2B5EF4-FFF2-40B4-BE49-F238E27FC236}">
+                <a16:creationId xmlns:a16="http://schemas.microsoft.com/office/drawing/2014/main" id="{EE388497-E684-709C-58BB-E0CD5F4CEA90}"/>
               </a:ext>
             </a:extLst>
           </p:cNvPr>
@@ -16885,7 +16975,7 @@
         </p:nvSpPr>
         <p:spPr>
           <a:xfrm>
-            <a:off x="2214271" y="1789275"/>
+            <a:off x="2101510" y="1591421"/>
             <a:ext cx="7763458" cy="449263"/>
           </a:xfrm>
           <a:prstGeom prst="rect">
@@ -17107,34 +17197,77 @@
                   <a:schemeClr val="bg1"/>
                 </a:solidFill>
               </a:rPr>
-              <a:t>Collaborate as a team to help each other set up </a:t>
-            </a:r>
-            <a:r>
-              <a:rPr lang="en-US" dirty="0" err="1">
+              <a:t>What went well during Sprint #1? (Lego Activity, Mentor/Lab Meeting)</a:t>
+            </a:r>
+          </a:p>
+          <a:p>
+            <a:pPr marL="0" indent="0">
+              <a:buNone/>
+            </a:pPr>
+            <a:endParaRPr lang="en-US" dirty="0">
+              <a:solidFill>
+                <a:schemeClr val="bg1"/>
+              </a:solidFill>
+            </a:endParaRPr>
+          </a:p>
+          <a:p>
+            <a:r>
+              <a:rPr lang="en-US" dirty="0">
                 <a:solidFill>
                   <a:schemeClr val="bg1"/>
                 </a:solidFill>
               </a:rPr>
-              <a:t>Github</a:t>
-            </a:r>
+              <a:t>What went less during Sprint #1? (Lego Activity, Mentor/Lab Meeting)</a:t>
+            </a:r>
+          </a:p>
+          <a:p>
+            <a:endParaRPr lang="en-US" dirty="0">
+              <a:solidFill>
+                <a:schemeClr val="bg1"/>
+              </a:solidFill>
+            </a:endParaRPr>
+          </a:p>
+          <a:p>
             <a:r>
               <a:rPr lang="en-US" dirty="0">
                 <a:solidFill>
                   <a:schemeClr val="bg1"/>
                 </a:solidFill>
               </a:rPr>
-              <a:t> on Anvil</a:t>
-            </a:r>
+              <a:t>How can we improve Sprint #2?</a:t>
+            </a:r>
+          </a:p>
+          <a:p>
+            <a:pPr marL="0" indent="0">
+              <a:buNone/>
+            </a:pPr>
+            <a:endParaRPr lang="en-US" dirty="0">
+              <a:solidFill>
+                <a:schemeClr val="bg1"/>
+              </a:solidFill>
+            </a:endParaRPr>
+          </a:p>
+          <a:p>
+            <a:r>
+              <a:rPr lang="en-US" dirty="0">
+                <a:solidFill>
+                  <a:schemeClr val="bg1"/>
+                </a:solidFill>
+              </a:rPr>
+              <a:t>What are some questions you have regarding Spring #1?</a:t>
+            </a:r>
+          </a:p>
+          <a:p>
+            <a:endParaRPr lang="en-US" dirty="0"/>
           </a:p>
         </p:txBody>
       </p:sp>
       <p:pic>
         <p:nvPicPr>
-          <p:cNvPr id="1029" name="Picture 5" descr="RCAC - Compute: Anvil">
-            <a:hlinkClick r:id="rId5"/>
-            <a:extLst>
-              <a:ext uri="{FF2B5EF4-FFF2-40B4-BE49-F238E27FC236}">
-                <a16:creationId xmlns:a16="http://schemas.microsoft.com/office/drawing/2014/main" id="{EE25D7D7-A2D5-E73F-7041-93D7AFDB3572}"/>
+          <p:cNvPr id="2050" name="Picture 2" descr="Agile Testing: a Symphony of People, Ideas, and Technology">
+            <a:extLst>
+              <a:ext uri="{FF2B5EF4-FFF2-40B4-BE49-F238E27FC236}">
+                <a16:creationId xmlns:a16="http://schemas.microsoft.com/office/drawing/2014/main" id="{6D9C0401-180E-BE32-7802-4FBE44229B5C}"/>
               </a:ext>
             </a:extLst>
           </p:cNvPr>
@@ -17144,7 +17277,7 @@
           <p:nvPr/>
         </p:nvPicPr>
         <p:blipFill>
-          <a:blip r:embed="rId6">
+          <a:blip r:embed="rId3">
             <a:extLst>
               <a:ext uri="{28A0092B-C50C-407E-A947-70E740481C1C}">
                 <a14:useLocalDpi xmlns:a14="http://schemas.microsoft.com/office/drawing/2010/main" val="0"/>
@@ -17158,8 +17291,8 @@
         </p:blipFill>
         <p:spPr bwMode="auto">
           <a:xfrm>
-            <a:off x="6496334" y="3182695"/>
-            <a:ext cx="4301699" cy="2873535"/>
+            <a:off x="8135112" y="3930650"/>
+            <a:ext cx="2710688" cy="2133600"/>
           </a:xfrm>
           <a:prstGeom prst="rect">
             <a:avLst/>
@@ -17179,7 +17312,1475 @@
     </p:spTree>
     <p:extLst>
       <p:ext uri="{BB962C8B-B14F-4D97-AF65-F5344CB8AC3E}">
-        <p14:creationId xmlns:p14="http://schemas.microsoft.com/office/powerpoint/2010/main" val="425970282"/>
+        <p14:creationId xmlns:p14="http://schemas.microsoft.com/office/powerpoint/2010/main" val="631978358"/>
+      </p:ext>
+    </p:extLst>
+  </p:cSld>
+  <p:clrMapOvr>
+    <a:masterClrMapping/>
+  </p:clrMapOvr>
+</p:sld>
+</file>
+
+<file path=ppt/slides/slide4.xml><?xml version="1.0" encoding="utf-8"?>
+<p:sld xmlns:a="http://schemas.openxmlformats.org/drawingml/2006/main" xmlns:r="http://schemas.openxmlformats.org/officeDocument/2006/relationships" xmlns:p="http://schemas.openxmlformats.org/presentationml/2006/main">
+  <p:cSld>
+    <p:spTree>
+      <p:nvGrpSpPr>
+        <p:cNvPr id="1" name=""/>
+        <p:cNvGrpSpPr/>
+        <p:nvPr/>
+      </p:nvGrpSpPr>
+      <p:grpSpPr>
+        <a:xfrm>
+          <a:off x="0" y="0"/>
+          <a:ext cx="0" cy="0"/>
+          <a:chOff x="0" y="0"/>
+          <a:chExt cx="0" cy="0"/>
+        </a:xfrm>
+      </p:grpSpPr>
+      <p:sp>
+        <p:nvSpPr>
+          <p:cNvPr id="6" name="Title 5">
+            <a:extLst>
+              <a:ext uri="{FF2B5EF4-FFF2-40B4-BE49-F238E27FC236}">
+                <a16:creationId xmlns:a16="http://schemas.microsoft.com/office/drawing/2014/main" id="{D08AB06A-6B63-9A84-6282-A333F77AFEA1}"/>
+              </a:ext>
+            </a:extLst>
+          </p:cNvPr>
+          <p:cNvSpPr>
+            <a:spLocks noGrp="1"/>
+          </p:cNvSpPr>
+          <p:nvPr>
+            <p:ph type="ctrTitle"/>
+          </p:nvPr>
+        </p:nvSpPr>
+        <p:spPr>
+          <a:xfrm>
+            <a:off x="2101510" y="370921"/>
+            <a:ext cx="7988980" cy="626325"/>
+          </a:xfrm>
+        </p:spPr>
+        <p:txBody>
+          <a:bodyPr/>
+          <a:lstStyle/>
+          <a:p>
+            <a:r>
+              <a:rPr lang="en-US" sz="4400" dirty="0">
+                <a:solidFill>
+                  <a:srgbClr val="EBD99F"/>
+                </a:solidFill>
+              </a:rPr>
+              <a:t>Daily Stand-up (5-10 minutes)</a:t>
+            </a:r>
+          </a:p>
+        </p:txBody>
+      </p:sp>
+      <p:sp>
+        <p:nvSpPr>
+          <p:cNvPr id="5" name="Slide Number Placeholder 4">
+            <a:extLst>
+              <a:ext uri="{FF2B5EF4-FFF2-40B4-BE49-F238E27FC236}">
+                <a16:creationId xmlns:a16="http://schemas.microsoft.com/office/drawing/2014/main" id="{079CDBEF-9D1D-DDB1-C4C8-A9817DA62F9A}"/>
+              </a:ext>
+            </a:extLst>
+          </p:cNvPr>
+          <p:cNvSpPr>
+            <a:spLocks noGrp="1"/>
+          </p:cNvSpPr>
+          <p:nvPr>
+            <p:ph type="sldNum" sz="quarter" idx="12"/>
+          </p:nvPr>
+        </p:nvSpPr>
+        <p:spPr/>
+        <p:txBody>
+          <a:bodyPr/>
+          <a:lstStyle/>
+          <a:p>
+            <a:fld id="{8A7A6979-0714-4377-B894-6BE4C2D6E202}" type="slidenum">
+              <a:rPr lang="en-US" smtClean="0"/>
+              <a:pPr/>
+              <a:t>4</a:t>
+            </a:fld>
+            <a:endParaRPr lang="en-US"/>
+          </a:p>
+        </p:txBody>
+      </p:sp>
+      <p:sp>
+        <p:nvSpPr>
+          <p:cNvPr id="4" name="Date Placeholder 3">
+            <a:extLst>
+              <a:ext uri="{FF2B5EF4-FFF2-40B4-BE49-F238E27FC236}">
+                <a16:creationId xmlns:a16="http://schemas.microsoft.com/office/drawing/2014/main" id="{4CDE6F09-9B10-5238-7123-0B118E57F72B}"/>
+              </a:ext>
+            </a:extLst>
+          </p:cNvPr>
+          <p:cNvSpPr>
+            <a:spLocks noGrp="1"/>
+          </p:cNvSpPr>
+          <p:nvPr>
+            <p:ph type="dt" sz="half" idx="4294967295"/>
+          </p:nvPr>
+        </p:nvSpPr>
+        <p:spPr>
+          <a:xfrm>
+            <a:off x="8744769" y="6227670"/>
+            <a:ext cx="1161231" cy="323968"/>
+          </a:xfrm>
+          <a:prstGeom prst="rect">
+            <a:avLst/>
+          </a:prstGeom>
+        </p:spPr>
+        <p:txBody>
+          <a:bodyPr vert="horz" lIns="91440" tIns="45720" rIns="91440" bIns="45720" rtlCol="0" anchor="ctr"/>
+          <a:lstStyle>
+            <a:defPPr>
+              <a:defRPr lang="en-US"/>
+            </a:defPPr>
+            <a:lvl1pPr marL="0" algn="r" defTabSz="457200" rtl="0" eaLnBrk="1" latinLnBrk="0" hangingPunct="1">
+              <a:defRPr sz="1000" b="0" i="0" kern="1200">
+                <a:solidFill>
+                  <a:schemeClr val="tx1">
+                    <a:alpha val="70000"/>
+                  </a:schemeClr>
+                </a:solidFill>
+                <a:latin typeface="Acumin Pro" panose="020B0504020202020204" pitchFamily="34" charset="77"/>
+                <a:ea typeface="+mn-ea"/>
+                <a:cs typeface="+mn-cs"/>
+              </a:defRPr>
+            </a:lvl1pPr>
+            <a:lvl2pPr marL="457200" algn="l" defTabSz="457200" rtl="0" eaLnBrk="1" latinLnBrk="0" hangingPunct="1">
+              <a:defRPr sz="1800" kern="1200">
+                <a:solidFill>
+                  <a:schemeClr val="tx1"/>
+                </a:solidFill>
+                <a:latin typeface="+mn-lt"/>
+                <a:ea typeface="+mn-ea"/>
+                <a:cs typeface="+mn-cs"/>
+              </a:defRPr>
+            </a:lvl2pPr>
+            <a:lvl3pPr marL="914400" algn="l" defTabSz="457200" rtl="0" eaLnBrk="1" latinLnBrk="0" hangingPunct="1">
+              <a:defRPr sz="1800" kern="1200">
+                <a:solidFill>
+                  <a:schemeClr val="tx1"/>
+                </a:solidFill>
+                <a:latin typeface="+mn-lt"/>
+                <a:ea typeface="+mn-ea"/>
+                <a:cs typeface="+mn-cs"/>
+              </a:defRPr>
+            </a:lvl3pPr>
+            <a:lvl4pPr marL="1371600" algn="l" defTabSz="457200" rtl="0" eaLnBrk="1" latinLnBrk="0" hangingPunct="1">
+              <a:defRPr sz="1800" kern="1200">
+                <a:solidFill>
+                  <a:schemeClr val="tx1"/>
+                </a:solidFill>
+                <a:latin typeface="+mn-lt"/>
+                <a:ea typeface="+mn-ea"/>
+                <a:cs typeface="+mn-cs"/>
+              </a:defRPr>
+            </a:lvl4pPr>
+            <a:lvl5pPr marL="1828800" algn="l" defTabSz="457200" rtl="0" eaLnBrk="1" latinLnBrk="0" hangingPunct="1">
+              <a:defRPr sz="1800" kern="1200">
+                <a:solidFill>
+                  <a:schemeClr val="tx1"/>
+                </a:solidFill>
+                <a:latin typeface="+mn-lt"/>
+                <a:ea typeface="+mn-ea"/>
+                <a:cs typeface="+mn-cs"/>
+              </a:defRPr>
+            </a:lvl5pPr>
+            <a:lvl6pPr marL="2286000" algn="l" defTabSz="457200" rtl="0" eaLnBrk="1" latinLnBrk="0" hangingPunct="1">
+              <a:defRPr sz="1800" kern="1200">
+                <a:solidFill>
+                  <a:schemeClr val="tx1"/>
+                </a:solidFill>
+                <a:latin typeface="+mn-lt"/>
+                <a:ea typeface="+mn-ea"/>
+                <a:cs typeface="+mn-cs"/>
+              </a:defRPr>
+            </a:lvl6pPr>
+            <a:lvl7pPr marL="2743200" algn="l" defTabSz="457200" rtl="0" eaLnBrk="1" latinLnBrk="0" hangingPunct="1">
+              <a:defRPr sz="1800" kern="1200">
+                <a:solidFill>
+                  <a:schemeClr val="tx1"/>
+                </a:solidFill>
+                <a:latin typeface="+mn-lt"/>
+                <a:ea typeface="+mn-ea"/>
+                <a:cs typeface="+mn-cs"/>
+              </a:defRPr>
+            </a:lvl7pPr>
+            <a:lvl8pPr marL="3200400" algn="l" defTabSz="457200" rtl="0" eaLnBrk="1" latinLnBrk="0" hangingPunct="1">
+              <a:defRPr sz="1800" kern="1200">
+                <a:solidFill>
+                  <a:schemeClr val="tx1"/>
+                </a:solidFill>
+                <a:latin typeface="+mn-lt"/>
+                <a:ea typeface="+mn-ea"/>
+                <a:cs typeface="+mn-cs"/>
+              </a:defRPr>
+            </a:lvl8pPr>
+            <a:lvl9pPr marL="3657600" algn="l" defTabSz="457200" rtl="0" eaLnBrk="1" latinLnBrk="0" hangingPunct="1">
+              <a:defRPr sz="1800" kern="1200">
+                <a:solidFill>
+                  <a:schemeClr val="tx1"/>
+                </a:solidFill>
+                <a:latin typeface="+mn-lt"/>
+                <a:ea typeface="+mn-ea"/>
+                <a:cs typeface="+mn-cs"/>
+              </a:defRPr>
+            </a:lvl9pPr>
+          </a:lstStyle>
+          <a:p>
+            <a:fld id="{E0C8DACD-4E35-4E4C-AC75-C3DE50F04E7E}" type="datetime1">
+              <a:rPr lang="en-US" smtClean="0"/>
+              <a:pPr/>
+              <a:t>8/30/23</a:t>
+            </a:fld>
+            <a:endParaRPr lang="en-US"/>
+          </a:p>
+        </p:txBody>
+      </p:sp>
+      <p:sp>
+        <p:nvSpPr>
+          <p:cNvPr id="7" name="Text Placeholder 2">
+            <a:extLst>
+              <a:ext uri="{FF2B5EF4-FFF2-40B4-BE49-F238E27FC236}">
+                <a16:creationId xmlns:a16="http://schemas.microsoft.com/office/drawing/2014/main" id="{EE388497-E684-709C-58BB-E0CD5F4CEA90}"/>
+              </a:ext>
+            </a:extLst>
+          </p:cNvPr>
+          <p:cNvSpPr txBox="1">
+            <a:spLocks/>
+          </p:cNvSpPr>
+          <p:nvPr/>
+        </p:nvSpPr>
+        <p:spPr>
+          <a:xfrm>
+            <a:off x="2101510" y="1591421"/>
+            <a:ext cx="7763458" cy="449263"/>
+          </a:xfrm>
+          <a:prstGeom prst="rect">
+            <a:avLst/>
+          </a:prstGeom>
+        </p:spPr>
+        <p:txBody>
+          <a:bodyPr/>
+          <a:lstStyle>
+            <a:lvl1pPr marL="228600" indent="-228600" algn="l" defTabSz="914400" rtl="0" eaLnBrk="1" latinLnBrk="0" hangingPunct="1">
+              <a:lnSpc>
+                <a:spcPct val="100000"/>
+              </a:lnSpc>
+              <a:spcBef>
+                <a:spcPts val="1000"/>
+              </a:spcBef>
+              <a:buClr>
+                <a:schemeClr val="accent2"/>
+              </a:buClr>
+              <a:buFont typeface="Arial" panose="020B0604020202020204" pitchFamily="34" charset="0"/>
+              <a:buChar char="•"/>
+              <a:defRPr sz="1800" kern="1200">
+                <a:solidFill>
+                  <a:schemeClr val="tx1">
+                    <a:lumMod val="85000"/>
+                    <a:lumOff val="15000"/>
+                  </a:schemeClr>
+                </a:solidFill>
+                <a:latin typeface="+mn-lt"/>
+                <a:ea typeface="+mn-ea"/>
+                <a:cs typeface="+mn-cs"/>
+              </a:defRPr>
+            </a:lvl1pPr>
+            <a:lvl2pPr marL="457200" indent="-228600" algn="l" defTabSz="914400" rtl="0" eaLnBrk="1" latinLnBrk="0" hangingPunct="1">
+              <a:lnSpc>
+                <a:spcPct val="100000"/>
+              </a:lnSpc>
+              <a:spcBef>
+                <a:spcPts val="1000"/>
+              </a:spcBef>
+              <a:buClr>
+                <a:schemeClr val="accent2"/>
+              </a:buClr>
+              <a:buFont typeface="Arial" panose="020B0604020202020204" pitchFamily="34" charset="0"/>
+              <a:buChar char="•"/>
+              <a:defRPr sz="1600" kern="1200">
+                <a:solidFill>
+                  <a:schemeClr val="tx1">
+                    <a:lumMod val="85000"/>
+                    <a:lumOff val="15000"/>
+                  </a:schemeClr>
+                </a:solidFill>
+                <a:latin typeface="+mn-lt"/>
+                <a:ea typeface="+mn-ea"/>
+                <a:cs typeface="+mn-cs"/>
+              </a:defRPr>
+            </a:lvl2pPr>
+            <a:lvl3pPr marL="685800" indent="-228600" algn="l" defTabSz="914400" rtl="0" eaLnBrk="1" latinLnBrk="0" hangingPunct="1">
+              <a:lnSpc>
+                <a:spcPct val="100000"/>
+              </a:lnSpc>
+              <a:spcBef>
+                <a:spcPts val="1000"/>
+              </a:spcBef>
+              <a:buClr>
+                <a:schemeClr val="accent2"/>
+              </a:buClr>
+              <a:buFont typeface="Arial" panose="020B0604020202020204" pitchFamily="34" charset="0"/>
+              <a:buChar char="•"/>
+              <a:defRPr sz="1600" kern="1200">
+                <a:solidFill>
+                  <a:schemeClr val="tx1">
+                    <a:lumMod val="85000"/>
+                    <a:lumOff val="15000"/>
+                  </a:schemeClr>
+                </a:solidFill>
+                <a:latin typeface="+mn-lt"/>
+                <a:ea typeface="+mn-ea"/>
+                <a:cs typeface="+mn-cs"/>
+              </a:defRPr>
+            </a:lvl3pPr>
+            <a:lvl4pPr marL="914400" indent="-228600" algn="l" defTabSz="914400" rtl="0" eaLnBrk="1" latinLnBrk="0" hangingPunct="1">
+              <a:lnSpc>
+                <a:spcPct val="100000"/>
+              </a:lnSpc>
+              <a:spcBef>
+                <a:spcPts val="1000"/>
+              </a:spcBef>
+              <a:buClr>
+                <a:schemeClr val="accent2"/>
+              </a:buClr>
+              <a:buFont typeface="Arial" panose="020B0604020202020204" pitchFamily="34" charset="0"/>
+              <a:buChar char="•"/>
+              <a:defRPr sz="1600" kern="1200">
+                <a:solidFill>
+                  <a:schemeClr val="tx1">
+                    <a:lumMod val="85000"/>
+                    <a:lumOff val="15000"/>
+                  </a:schemeClr>
+                </a:solidFill>
+                <a:latin typeface="+mn-lt"/>
+                <a:ea typeface="+mn-ea"/>
+                <a:cs typeface="+mn-cs"/>
+              </a:defRPr>
+            </a:lvl4pPr>
+            <a:lvl5pPr marL="1143000" indent="-228600" algn="l" defTabSz="914400" rtl="0" eaLnBrk="1" latinLnBrk="0" hangingPunct="1">
+              <a:lnSpc>
+                <a:spcPct val="100000"/>
+              </a:lnSpc>
+              <a:spcBef>
+                <a:spcPts val="1000"/>
+              </a:spcBef>
+              <a:buClr>
+                <a:schemeClr val="accent2"/>
+              </a:buClr>
+              <a:buFont typeface="Arial" panose="020B0604020202020204" pitchFamily="34" charset="0"/>
+              <a:buChar char="•"/>
+              <a:defRPr sz="1600" kern="1200">
+                <a:solidFill>
+                  <a:schemeClr val="tx1">
+                    <a:lumMod val="85000"/>
+                    <a:lumOff val="15000"/>
+                  </a:schemeClr>
+                </a:solidFill>
+                <a:latin typeface="+mn-lt"/>
+                <a:ea typeface="+mn-ea"/>
+                <a:cs typeface="+mn-cs"/>
+              </a:defRPr>
+            </a:lvl5pPr>
+            <a:lvl6pPr marL="1314450" indent="-228600" algn="l" defTabSz="914400" rtl="0" eaLnBrk="1" latinLnBrk="0" hangingPunct="1">
+              <a:lnSpc>
+                <a:spcPct val="100000"/>
+              </a:lnSpc>
+              <a:spcBef>
+                <a:spcPts val="1000"/>
+              </a:spcBef>
+              <a:buClr>
+                <a:schemeClr val="accent2"/>
+              </a:buClr>
+              <a:buFont typeface="Arial" panose="020B0604020202020204" pitchFamily="34" charset="0"/>
+              <a:buChar char="•"/>
+              <a:defRPr sz="1600" kern="1200">
+                <a:solidFill>
+                  <a:schemeClr val="tx1"/>
+                </a:solidFill>
+                <a:latin typeface="+mn-lt"/>
+                <a:ea typeface="+mn-ea"/>
+                <a:cs typeface="+mn-cs"/>
+              </a:defRPr>
+            </a:lvl6pPr>
+            <a:lvl7pPr marL="1485900" indent="-228600" algn="l" defTabSz="914400" rtl="0" eaLnBrk="1" latinLnBrk="0" hangingPunct="1">
+              <a:lnSpc>
+                <a:spcPct val="100000"/>
+              </a:lnSpc>
+              <a:spcBef>
+                <a:spcPts val="1000"/>
+              </a:spcBef>
+              <a:buClr>
+                <a:schemeClr val="accent2"/>
+              </a:buClr>
+              <a:buFont typeface="Arial" panose="020B0604020202020204" pitchFamily="34" charset="0"/>
+              <a:buChar char="•"/>
+              <a:defRPr sz="1600" kern="1200">
+                <a:solidFill>
+                  <a:schemeClr val="tx1"/>
+                </a:solidFill>
+                <a:latin typeface="+mn-lt"/>
+                <a:ea typeface="+mn-ea"/>
+                <a:cs typeface="+mn-cs"/>
+              </a:defRPr>
+            </a:lvl7pPr>
+            <a:lvl8pPr marL="1657350" indent="-228600" algn="l" defTabSz="914400" rtl="0" eaLnBrk="1" latinLnBrk="0" hangingPunct="1">
+              <a:lnSpc>
+                <a:spcPct val="100000"/>
+              </a:lnSpc>
+              <a:spcBef>
+                <a:spcPts val="1000"/>
+              </a:spcBef>
+              <a:buClr>
+                <a:schemeClr val="accent2"/>
+              </a:buClr>
+              <a:buFont typeface="Arial" panose="020B0604020202020204" pitchFamily="34" charset="0"/>
+              <a:buChar char="•"/>
+              <a:defRPr sz="1600" kern="1200" baseline="0">
+                <a:solidFill>
+                  <a:schemeClr val="tx1"/>
+                </a:solidFill>
+                <a:latin typeface="+mn-lt"/>
+                <a:ea typeface="+mn-ea"/>
+                <a:cs typeface="+mn-cs"/>
+              </a:defRPr>
+            </a:lvl8pPr>
+            <a:lvl9pPr marL="1828800" indent="-228600" algn="l" defTabSz="914400" rtl="0" eaLnBrk="1" latinLnBrk="0" hangingPunct="1">
+              <a:lnSpc>
+                <a:spcPct val="100000"/>
+              </a:lnSpc>
+              <a:spcBef>
+                <a:spcPts val="1000"/>
+              </a:spcBef>
+              <a:buClr>
+                <a:schemeClr val="accent2"/>
+              </a:buClr>
+              <a:buFont typeface="Arial" panose="020B0604020202020204" pitchFamily="34" charset="0"/>
+              <a:buChar char="•"/>
+              <a:defRPr sz="1600" kern="1200" baseline="0">
+                <a:solidFill>
+                  <a:schemeClr val="tx1"/>
+                </a:solidFill>
+                <a:latin typeface="+mn-lt"/>
+                <a:ea typeface="+mn-ea"/>
+                <a:cs typeface="+mn-cs"/>
+              </a:defRPr>
+            </a:lvl9pPr>
+          </a:lstStyle>
+          <a:p>
+            <a:r>
+              <a:rPr lang="en-US" dirty="0">
+                <a:solidFill>
+                  <a:schemeClr val="bg1"/>
+                </a:solidFill>
+              </a:rPr>
+              <a:t>What have you been working on since the last meeting?</a:t>
+            </a:r>
+          </a:p>
+          <a:p>
+            <a:endParaRPr lang="en-US" dirty="0">
+              <a:solidFill>
+                <a:schemeClr val="bg1"/>
+              </a:solidFill>
+            </a:endParaRPr>
+          </a:p>
+          <a:p>
+            <a:r>
+              <a:rPr lang="en-US" dirty="0">
+                <a:solidFill>
+                  <a:schemeClr val="bg1"/>
+                </a:solidFill>
+              </a:rPr>
+              <a:t>What are you currently working on?</a:t>
+            </a:r>
+          </a:p>
+          <a:p>
+            <a:endParaRPr lang="en-US" dirty="0">
+              <a:solidFill>
+                <a:schemeClr val="bg1"/>
+              </a:solidFill>
+            </a:endParaRPr>
+          </a:p>
+          <a:p>
+            <a:r>
+              <a:rPr lang="en-US" dirty="0">
+                <a:solidFill>
+                  <a:schemeClr val="bg1"/>
+                </a:solidFill>
+              </a:rPr>
+              <a:t>Are there any blockers or barriers preventing you from doing your work?</a:t>
+            </a:r>
+          </a:p>
+          <a:p>
+            <a:endParaRPr lang="en-US" dirty="0">
+              <a:solidFill>
+                <a:schemeClr val="bg1"/>
+              </a:solidFill>
+            </a:endParaRPr>
+          </a:p>
+        </p:txBody>
+      </p:sp>
+      <p:pic>
+        <p:nvPicPr>
+          <p:cNvPr id="5122" name="Picture 2" descr="Daily Standup Meeting: Best Standup Tools and Agile Software">
+            <a:hlinkClick r:id="rId3"/>
+            <a:extLst>
+              <a:ext uri="{FF2B5EF4-FFF2-40B4-BE49-F238E27FC236}">
+                <a16:creationId xmlns:a16="http://schemas.microsoft.com/office/drawing/2014/main" id="{E9388E02-BC6C-C182-4675-CA824DE5D9E2}"/>
+              </a:ext>
+            </a:extLst>
+          </p:cNvPr>
+          <p:cNvPicPr>
+            <a:picLocks noChangeAspect="1" noChangeArrowheads="1"/>
+          </p:cNvPicPr>
+          <p:nvPr/>
+        </p:nvPicPr>
+        <p:blipFill>
+          <a:blip r:embed="rId4">
+            <a:extLst>
+              <a:ext uri="{28A0092B-C50C-407E-A947-70E740481C1C}">
+                <a14:useLocalDpi xmlns:a14="http://schemas.microsoft.com/office/drawing/2010/main" val="0"/>
+              </a:ext>
+            </a:extLst>
+          </a:blip>
+          <a:srcRect/>
+          <a:stretch>
+            <a:fillRect/>
+          </a:stretch>
+        </p:blipFill>
+        <p:spPr bwMode="auto">
+          <a:xfrm>
+            <a:off x="7441101" y="4017200"/>
+            <a:ext cx="3683000" cy="2209800"/>
+          </a:xfrm>
+          <a:prstGeom prst="rect">
+            <a:avLst/>
+          </a:prstGeom>
+          <a:noFill/>
+          <a:extLst>
+            <a:ext uri="{909E8E84-426E-40DD-AFC4-6F175D3DCCD1}">
+              <a14:hiddenFill xmlns:a14="http://schemas.microsoft.com/office/drawing/2010/main">
+                <a:solidFill>
+                  <a:srgbClr val="FFFFFF"/>
+                </a:solidFill>
+              </a14:hiddenFill>
+            </a:ext>
+          </a:extLst>
+        </p:spPr>
+      </p:pic>
+    </p:spTree>
+    <p:extLst>
+      <p:ext uri="{BB962C8B-B14F-4D97-AF65-F5344CB8AC3E}">
+        <p14:creationId xmlns:p14="http://schemas.microsoft.com/office/powerpoint/2010/main" val="2677493265"/>
+      </p:ext>
+    </p:extLst>
+  </p:cSld>
+  <p:clrMapOvr>
+    <a:masterClrMapping/>
+  </p:clrMapOvr>
+</p:sld>
+</file>
+
+<file path=ppt/slides/slide5.xml><?xml version="1.0" encoding="utf-8"?>
+<p:sld xmlns:a="http://schemas.openxmlformats.org/drawingml/2006/main" xmlns:r="http://schemas.openxmlformats.org/officeDocument/2006/relationships" xmlns:p="http://schemas.openxmlformats.org/presentationml/2006/main">
+  <p:cSld>
+    <p:spTree>
+      <p:nvGrpSpPr>
+        <p:cNvPr id="1" name=""/>
+        <p:cNvGrpSpPr/>
+        <p:nvPr/>
+      </p:nvGrpSpPr>
+      <p:grpSpPr>
+        <a:xfrm>
+          <a:off x="0" y="0"/>
+          <a:ext cx="0" cy="0"/>
+          <a:chOff x="0" y="0"/>
+          <a:chExt cx="0" cy="0"/>
+        </a:xfrm>
+      </p:grpSpPr>
+      <p:sp>
+        <p:nvSpPr>
+          <p:cNvPr id="6" name="Title 5">
+            <a:extLst>
+              <a:ext uri="{FF2B5EF4-FFF2-40B4-BE49-F238E27FC236}">
+                <a16:creationId xmlns:a16="http://schemas.microsoft.com/office/drawing/2014/main" id="{D08AB06A-6B63-9A84-6282-A333F77AFEA1}"/>
+              </a:ext>
+            </a:extLst>
+          </p:cNvPr>
+          <p:cNvSpPr>
+            <a:spLocks noGrp="1"/>
+          </p:cNvSpPr>
+          <p:nvPr>
+            <p:ph type="ctrTitle"/>
+          </p:nvPr>
+        </p:nvSpPr>
+        <p:spPr>
+          <a:xfrm>
+            <a:off x="2101510" y="370921"/>
+            <a:ext cx="7988980" cy="626325"/>
+          </a:xfrm>
+        </p:spPr>
+        <p:txBody>
+          <a:bodyPr/>
+          <a:lstStyle/>
+          <a:p>
+            <a:r>
+              <a:rPr lang="en-US" sz="4400" dirty="0">
+                <a:solidFill>
+                  <a:srgbClr val="EBD99F"/>
+                </a:solidFill>
+              </a:rPr>
+              <a:t>Sprint Planning </a:t>
+            </a:r>
+          </a:p>
+        </p:txBody>
+      </p:sp>
+      <p:sp>
+        <p:nvSpPr>
+          <p:cNvPr id="5" name="Slide Number Placeholder 4">
+            <a:extLst>
+              <a:ext uri="{FF2B5EF4-FFF2-40B4-BE49-F238E27FC236}">
+                <a16:creationId xmlns:a16="http://schemas.microsoft.com/office/drawing/2014/main" id="{079CDBEF-9D1D-DDB1-C4C8-A9817DA62F9A}"/>
+              </a:ext>
+            </a:extLst>
+          </p:cNvPr>
+          <p:cNvSpPr>
+            <a:spLocks noGrp="1"/>
+          </p:cNvSpPr>
+          <p:nvPr>
+            <p:ph type="sldNum" sz="quarter" idx="12"/>
+          </p:nvPr>
+        </p:nvSpPr>
+        <p:spPr/>
+        <p:txBody>
+          <a:bodyPr/>
+          <a:lstStyle/>
+          <a:p>
+            <a:fld id="{8A7A6979-0714-4377-B894-6BE4C2D6E202}" type="slidenum">
+              <a:rPr lang="en-US" smtClean="0"/>
+              <a:pPr/>
+              <a:t>5</a:t>
+            </a:fld>
+            <a:endParaRPr lang="en-US"/>
+          </a:p>
+        </p:txBody>
+      </p:sp>
+      <p:sp>
+        <p:nvSpPr>
+          <p:cNvPr id="4" name="Date Placeholder 3">
+            <a:extLst>
+              <a:ext uri="{FF2B5EF4-FFF2-40B4-BE49-F238E27FC236}">
+                <a16:creationId xmlns:a16="http://schemas.microsoft.com/office/drawing/2014/main" id="{4CDE6F09-9B10-5238-7123-0B118E57F72B}"/>
+              </a:ext>
+            </a:extLst>
+          </p:cNvPr>
+          <p:cNvSpPr>
+            <a:spLocks noGrp="1"/>
+          </p:cNvSpPr>
+          <p:nvPr>
+            <p:ph type="dt" sz="half" idx="4294967295"/>
+          </p:nvPr>
+        </p:nvSpPr>
+        <p:spPr>
+          <a:xfrm>
+            <a:off x="8744769" y="6227670"/>
+            <a:ext cx="1161231" cy="323968"/>
+          </a:xfrm>
+          <a:prstGeom prst="rect">
+            <a:avLst/>
+          </a:prstGeom>
+        </p:spPr>
+        <p:txBody>
+          <a:bodyPr vert="horz" lIns="91440" tIns="45720" rIns="91440" bIns="45720" rtlCol="0" anchor="ctr"/>
+          <a:lstStyle>
+            <a:defPPr>
+              <a:defRPr lang="en-US"/>
+            </a:defPPr>
+            <a:lvl1pPr marL="0" algn="r" defTabSz="457200" rtl="0" eaLnBrk="1" latinLnBrk="0" hangingPunct="1">
+              <a:defRPr sz="1000" b="0" i="0" kern="1200">
+                <a:solidFill>
+                  <a:schemeClr val="tx1">
+                    <a:alpha val="70000"/>
+                  </a:schemeClr>
+                </a:solidFill>
+                <a:latin typeface="Acumin Pro" panose="020B0504020202020204" pitchFamily="34" charset="77"/>
+                <a:ea typeface="+mn-ea"/>
+                <a:cs typeface="+mn-cs"/>
+              </a:defRPr>
+            </a:lvl1pPr>
+            <a:lvl2pPr marL="457200" algn="l" defTabSz="457200" rtl="0" eaLnBrk="1" latinLnBrk="0" hangingPunct="1">
+              <a:defRPr sz="1800" kern="1200">
+                <a:solidFill>
+                  <a:schemeClr val="tx1"/>
+                </a:solidFill>
+                <a:latin typeface="+mn-lt"/>
+                <a:ea typeface="+mn-ea"/>
+                <a:cs typeface="+mn-cs"/>
+              </a:defRPr>
+            </a:lvl2pPr>
+            <a:lvl3pPr marL="914400" algn="l" defTabSz="457200" rtl="0" eaLnBrk="1" latinLnBrk="0" hangingPunct="1">
+              <a:defRPr sz="1800" kern="1200">
+                <a:solidFill>
+                  <a:schemeClr val="tx1"/>
+                </a:solidFill>
+                <a:latin typeface="+mn-lt"/>
+                <a:ea typeface="+mn-ea"/>
+                <a:cs typeface="+mn-cs"/>
+              </a:defRPr>
+            </a:lvl3pPr>
+            <a:lvl4pPr marL="1371600" algn="l" defTabSz="457200" rtl="0" eaLnBrk="1" latinLnBrk="0" hangingPunct="1">
+              <a:defRPr sz="1800" kern="1200">
+                <a:solidFill>
+                  <a:schemeClr val="tx1"/>
+                </a:solidFill>
+                <a:latin typeface="+mn-lt"/>
+                <a:ea typeface="+mn-ea"/>
+                <a:cs typeface="+mn-cs"/>
+              </a:defRPr>
+            </a:lvl4pPr>
+            <a:lvl5pPr marL="1828800" algn="l" defTabSz="457200" rtl="0" eaLnBrk="1" latinLnBrk="0" hangingPunct="1">
+              <a:defRPr sz="1800" kern="1200">
+                <a:solidFill>
+                  <a:schemeClr val="tx1"/>
+                </a:solidFill>
+                <a:latin typeface="+mn-lt"/>
+                <a:ea typeface="+mn-ea"/>
+                <a:cs typeface="+mn-cs"/>
+              </a:defRPr>
+            </a:lvl5pPr>
+            <a:lvl6pPr marL="2286000" algn="l" defTabSz="457200" rtl="0" eaLnBrk="1" latinLnBrk="0" hangingPunct="1">
+              <a:defRPr sz="1800" kern="1200">
+                <a:solidFill>
+                  <a:schemeClr val="tx1"/>
+                </a:solidFill>
+                <a:latin typeface="+mn-lt"/>
+                <a:ea typeface="+mn-ea"/>
+                <a:cs typeface="+mn-cs"/>
+              </a:defRPr>
+            </a:lvl6pPr>
+            <a:lvl7pPr marL="2743200" algn="l" defTabSz="457200" rtl="0" eaLnBrk="1" latinLnBrk="0" hangingPunct="1">
+              <a:defRPr sz="1800" kern="1200">
+                <a:solidFill>
+                  <a:schemeClr val="tx1"/>
+                </a:solidFill>
+                <a:latin typeface="+mn-lt"/>
+                <a:ea typeface="+mn-ea"/>
+                <a:cs typeface="+mn-cs"/>
+              </a:defRPr>
+            </a:lvl7pPr>
+            <a:lvl8pPr marL="3200400" algn="l" defTabSz="457200" rtl="0" eaLnBrk="1" latinLnBrk="0" hangingPunct="1">
+              <a:defRPr sz="1800" kern="1200">
+                <a:solidFill>
+                  <a:schemeClr val="tx1"/>
+                </a:solidFill>
+                <a:latin typeface="+mn-lt"/>
+                <a:ea typeface="+mn-ea"/>
+                <a:cs typeface="+mn-cs"/>
+              </a:defRPr>
+            </a:lvl8pPr>
+            <a:lvl9pPr marL="3657600" algn="l" defTabSz="457200" rtl="0" eaLnBrk="1" latinLnBrk="0" hangingPunct="1">
+              <a:defRPr sz="1800" kern="1200">
+                <a:solidFill>
+                  <a:schemeClr val="tx1"/>
+                </a:solidFill>
+                <a:latin typeface="+mn-lt"/>
+                <a:ea typeface="+mn-ea"/>
+                <a:cs typeface="+mn-cs"/>
+              </a:defRPr>
+            </a:lvl9pPr>
+          </a:lstStyle>
+          <a:p>
+            <a:fld id="{E0C8DACD-4E35-4E4C-AC75-C3DE50F04E7E}" type="datetime1">
+              <a:rPr lang="en-US" smtClean="0"/>
+              <a:pPr/>
+              <a:t>8/30/23</a:t>
+            </a:fld>
+            <a:endParaRPr lang="en-US"/>
+          </a:p>
+        </p:txBody>
+      </p:sp>
+      <p:sp>
+        <p:nvSpPr>
+          <p:cNvPr id="7" name="Text Placeholder 2">
+            <a:extLst>
+              <a:ext uri="{FF2B5EF4-FFF2-40B4-BE49-F238E27FC236}">
+                <a16:creationId xmlns:a16="http://schemas.microsoft.com/office/drawing/2014/main" id="{EE388497-E684-709C-58BB-E0CD5F4CEA90}"/>
+              </a:ext>
+            </a:extLst>
+          </p:cNvPr>
+          <p:cNvSpPr txBox="1">
+            <a:spLocks/>
+          </p:cNvSpPr>
+          <p:nvPr/>
+        </p:nvSpPr>
+        <p:spPr>
+          <a:xfrm>
+            <a:off x="2101510" y="1591421"/>
+            <a:ext cx="7763458" cy="449263"/>
+          </a:xfrm>
+          <a:prstGeom prst="rect">
+            <a:avLst/>
+          </a:prstGeom>
+        </p:spPr>
+        <p:txBody>
+          <a:bodyPr/>
+          <a:lstStyle>
+            <a:lvl1pPr marL="228600" indent="-228600" algn="l" defTabSz="914400" rtl="0" eaLnBrk="1" latinLnBrk="0" hangingPunct="1">
+              <a:lnSpc>
+                <a:spcPct val="100000"/>
+              </a:lnSpc>
+              <a:spcBef>
+                <a:spcPts val="1000"/>
+              </a:spcBef>
+              <a:buClr>
+                <a:schemeClr val="accent2"/>
+              </a:buClr>
+              <a:buFont typeface="Arial" panose="020B0604020202020204" pitchFamily="34" charset="0"/>
+              <a:buChar char="•"/>
+              <a:defRPr sz="1800" kern="1200">
+                <a:solidFill>
+                  <a:schemeClr val="tx1">
+                    <a:lumMod val="85000"/>
+                    <a:lumOff val="15000"/>
+                  </a:schemeClr>
+                </a:solidFill>
+                <a:latin typeface="+mn-lt"/>
+                <a:ea typeface="+mn-ea"/>
+                <a:cs typeface="+mn-cs"/>
+              </a:defRPr>
+            </a:lvl1pPr>
+            <a:lvl2pPr marL="457200" indent="-228600" algn="l" defTabSz="914400" rtl="0" eaLnBrk="1" latinLnBrk="0" hangingPunct="1">
+              <a:lnSpc>
+                <a:spcPct val="100000"/>
+              </a:lnSpc>
+              <a:spcBef>
+                <a:spcPts val="1000"/>
+              </a:spcBef>
+              <a:buClr>
+                <a:schemeClr val="accent2"/>
+              </a:buClr>
+              <a:buFont typeface="Arial" panose="020B0604020202020204" pitchFamily="34" charset="0"/>
+              <a:buChar char="•"/>
+              <a:defRPr sz="1600" kern="1200">
+                <a:solidFill>
+                  <a:schemeClr val="tx1">
+                    <a:lumMod val="85000"/>
+                    <a:lumOff val="15000"/>
+                  </a:schemeClr>
+                </a:solidFill>
+                <a:latin typeface="+mn-lt"/>
+                <a:ea typeface="+mn-ea"/>
+                <a:cs typeface="+mn-cs"/>
+              </a:defRPr>
+            </a:lvl2pPr>
+            <a:lvl3pPr marL="685800" indent="-228600" algn="l" defTabSz="914400" rtl="0" eaLnBrk="1" latinLnBrk="0" hangingPunct="1">
+              <a:lnSpc>
+                <a:spcPct val="100000"/>
+              </a:lnSpc>
+              <a:spcBef>
+                <a:spcPts val="1000"/>
+              </a:spcBef>
+              <a:buClr>
+                <a:schemeClr val="accent2"/>
+              </a:buClr>
+              <a:buFont typeface="Arial" panose="020B0604020202020204" pitchFamily="34" charset="0"/>
+              <a:buChar char="•"/>
+              <a:defRPr sz="1600" kern="1200">
+                <a:solidFill>
+                  <a:schemeClr val="tx1">
+                    <a:lumMod val="85000"/>
+                    <a:lumOff val="15000"/>
+                  </a:schemeClr>
+                </a:solidFill>
+                <a:latin typeface="+mn-lt"/>
+                <a:ea typeface="+mn-ea"/>
+                <a:cs typeface="+mn-cs"/>
+              </a:defRPr>
+            </a:lvl3pPr>
+            <a:lvl4pPr marL="914400" indent="-228600" algn="l" defTabSz="914400" rtl="0" eaLnBrk="1" latinLnBrk="0" hangingPunct="1">
+              <a:lnSpc>
+                <a:spcPct val="100000"/>
+              </a:lnSpc>
+              <a:spcBef>
+                <a:spcPts val="1000"/>
+              </a:spcBef>
+              <a:buClr>
+                <a:schemeClr val="accent2"/>
+              </a:buClr>
+              <a:buFont typeface="Arial" panose="020B0604020202020204" pitchFamily="34" charset="0"/>
+              <a:buChar char="•"/>
+              <a:defRPr sz="1600" kern="1200">
+                <a:solidFill>
+                  <a:schemeClr val="tx1">
+                    <a:lumMod val="85000"/>
+                    <a:lumOff val="15000"/>
+                  </a:schemeClr>
+                </a:solidFill>
+                <a:latin typeface="+mn-lt"/>
+                <a:ea typeface="+mn-ea"/>
+                <a:cs typeface="+mn-cs"/>
+              </a:defRPr>
+            </a:lvl4pPr>
+            <a:lvl5pPr marL="1143000" indent="-228600" algn="l" defTabSz="914400" rtl="0" eaLnBrk="1" latinLnBrk="0" hangingPunct="1">
+              <a:lnSpc>
+                <a:spcPct val="100000"/>
+              </a:lnSpc>
+              <a:spcBef>
+                <a:spcPts val="1000"/>
+              </a:spcBef>
+              <a:buClr>
+                <a:schemeClr val="accent2"/>
+              </a:buClr>
+              <a:buFont typeface="Arial" panose="020B0604020202020204" pitchFamily="34" charset="0"/>
+              <a:buChar char="•"/>
+              <a:defRPr sz="1600" kern="1200">
+                <a:solidFill>
+                  <a:schemeClr val="tx1">
+                    <a:lumMod val="85000"/>
+                    <a:lumOff val="15000"/>
+                  </a:schemeClr>
+                </a:solidFill>
+                <a:latin typeface="+mn-lt"/>
+                <a:ea typeface="+mn-ea"/>
+                <a:cs typeface="+mn-cs"/>
+              </a:defRPr>
+            </a:lvl5pPr>
+            <a:lvl6pPr marL="1314450" indent="-228600" algn="l" defTabSz="914400" rtl="0" eaLnBrk="1" latinLnBrk="0" hangingPunct="1">
+              <a:lnSpc>
+                <a:spcPct val="100000"/>
+              </a:lnSpc>
+              <a:spcBef>
+                <a:spcPts val="1000"/>
+              </a:spcBef>
+              <a:buClr>
+                <a:schemeClr val="accent2"/>
+              </a:buClr>
+              <a:buFont typeface="Arial" panose="020B0604020202020204" pitchFamily="34" charset="0"/>
+              <a:buChar char="•"/>
+              <a:defRPr sz="1600" kern="1200">
+                <a:solidFill>
+                  <a:schemeClr val="tx1"/>
+                </a:solidFill>
+                <a:latin typeface="+mn-lt"/>
+                <a:ea typeface="+mn-ea"/>
+                <a:cs typeface="+mn-cs"/>
+              </a:defRPr>
+            </a:lvl6pPr>
+            <a:lvl7pPr marL="1485900" indent="-228600" algn="l" defTabSz="914400" rtl="0" eaLnBrk="1" latinLnBrk="0" hangingPunct="1">
+              <a:lnSpc>
+                <a:spcPct val="100000"/>
+              </a:lnSpc>
+              <a:spcBef>
+                <a:spcPts val="1000"/>
+              </a:spcBef>
+              <a:buClr>
+                <a:schemeClr val="accent2"/>
+              </a:buClr>
+              <a:buFont typeface="Arial" panose="020B0604020202020204" pitchFamily="34" charset="0"/>
+              <a:buChar char="•"/>
+              <a:defRPr sz="1600" kern="1200">
+                <a:solidFill>
+                  <a:schemeClr val="tx1"/>
+                </a:solidFill>
+                <a:latin typeface="+mn-lt"/>
+                <a:ea typeface="+mn-ea"/>
+                <a:cs typeface="+mn-cs"/>
+              </a:defRPr>
+            </a:lvl7pPr>
+            <a:lvl8pPr marL="1657350" indent="-228600" algn="l" defTabSz="914400" rtl="0" eaLnBrk="1" latinLnBrk="0" hangingPunct="1">
+              <a:lnSpc>
+                <a:spcPct val="100000"/>
+              </a:lnSpc>
+              <a:spcBef>
+                <a:spcPts val="1000"/>
+              </a:spcBef>
+              <a:buClr>
+                <a:schemeClr val="accent2"/>
+              </a:buClr>
+              <a:buFont typeface="Arial" panose="020B0604020202020204" pitchFamily="34" charset="0"/>
+              <a:buChar char="•"/>
+              <a:defRPr sz="1600" kern="1200" baseline="0">
+                <a:solidFill>
+                  <a:schemeClr val="tx1"/>
+                </a:solidFill>
+                <a:latin typeface="+mn-lt"/>
+                <a:ea typeface="+mn-ea"/>
+                <a:cs typeface="+mn-cs"/>
+              </a:defRPr>
+            </a:lvl8pPr>
+            <a:lvl9pPr marL="1828800" indent="-228600" algn="l" defTabSz="914400" rtl="0" eaLnBrk="1" latinLnBrk="0" hangingPunct="1">
+              <a:lnSpc>
+                <a:spcPct val="100000"/>
+              </a:lnSpc>
+              <a:spcBef>
+                <a:spcPts val="1000"/>
+              </a:spcBef>
+              <a:buClr>
+                <a:schemeClr val="accent2"/>
+              </a:buClr>
+              <a:buFont typeface="Arial" panose="020B0604020202020204" pitchFamily="34" charset="0"/>
+              <a:buChar char="•"/>
+              <a:defRPr sz="1600" kern="1200" baseline="0">
+                <a:solidFill>
+                  <a:schemeClr val="tx1"/>
+                </a:solidFill>
+                <a:latin typeface="+mn-lt"/>
+                <a:ea typeface="+mn-ea"/>
+                <a:cs typeface="+mn-cs"/>
+              </a:defRPr>
+            </a:lvl9pPr>
+          </a:lstStyle>
+          <a:p>
+            <a:r>
+              <a:rPr lang="en-US" dirty="0">
+                <a:solidFill>
+                  <a:schemeClr val="bg1"/>
+                </a:solidFill>
+              </a:rPr>
+              <a:t>What are some task we want to focus on completing this sprint?</a:t>
+            </a:r>
+          </a:p>
+          <a:p>
+            <a:pPr marL="0" indent="0">
+              <a:buNone/>
+            </a:pPr>
+            <a:endParaRPr lang="en-US" dirty="0">
+              <a:solidFill>
+                <a:schemeClr val="bg1"/>
+              </a:solidFill>
+            </a:endParaRPr>
+          </a:p>
+          <a:p>
+            <a:r>
+              <a:rPr lang="en-US" dirty="0">
+                <a:solidFill>
+                  <a:schemeClr val="bg1"/>
+                </a:solidFill>
+              </a:rPr>
+              <a:t>Who will work on these task(s)?</a:t>
+            </a:r>
+          </a:p>
+          <a:p>
+            <a:endParaRPr lang="en-US" dirty="0">
+              <a:solidFill>
+                <a:schemeClr val="bg1"/>
+              </a:solidFill>
+            </a:endParaRPr>
+          </a:p>
+          <a:p>
+            <a:r>
+              <a:rPr lang="en-US" dirty="0">
+                <a:solidFill>
+                  <a:schemeClr val="bg1"/>
+                </a:solidFill>
+              </a:rPr>
+              <a:t>What will the final product of this task look like?</a:t>
+            </a:r>
+          </a:p>
+          <a:p>
+            <a:endParaRPr lang="en-US" dirty="0"/>
+          </a:p>
+        </p:txBody>
+      </p:sp>
+      <p:pic>
+        <p:nvPicPr>
+          <p:cNvPr id="4098" name="Picture 2" descr="Mastering the Daily Stand-Up. Agile Ceremonies, Part 2 of 6 | by Manoukian  | Agile Insider | Jun, 2023 | Medium">
+            <a:hlinkClick r:id="rId3"/>
+            <a:extLst>
+              <a:ext uri="{FF2B5EF4-FFF2-40B4-BE49-F238E27FC236}">
+                <a16:creationId xmlns:a16="http://schemas.microsoft.com/office/drawing/2014/main" id="{F2433468-3D6E-98FD-70DE-534E567A824B}"/>
+              </a:ext>
+            </a:extLst>
+          </p:cNvPr>
+          <p:cNvPicPr>
+            <a:picLocks noChangeAspect="1" noChangeArrowheads="1"/>
+          </p:cNvPicPr>
+          <p:nvPr/>
+        </p:nvPicPr>
+        <p:blipFill>
+          <a:blip r:embed="rId4">
+            <a:extLst>
+              <a:ext uri="{28A0092B-C50C-407E-A947-70E740481C1C}">
+                <a14:useLocalDpi xmlns:a14="http://schemas.microsoft.com/office/drawing/2010/main" val="0"/>
+              </a:ext>
+            </a:extLst>
+          </a:blip>
+          <a:srcRect/>
+          <a:stretch>
+            <a:fillRect/>
+          </a:stretch>
+        </p:blipFill>
+        <p:spPr bwMode="auto">
+          <a:xfrm>
+            <a:off x="7188200" y="3142877"/>
+            <a:ext cx="4627837" cy="3084123"/>
+          </a:xfrm>
+          <a:prstGeom prst="rect">
+            <a:avLst/>
+          </a:prstGeom>
+          <a:noFill/>
+          <a:extLst>
+            <a:ext uri="{909E8E84-426E-40DD-AFC4-6F175D3DCCD1}">
+              <a14:hiddenFill xmlns:a14="http://schemas.microsoft.com/office/drawing/2010/main">
+                <a:solidFill>
+                  <a:srgbClr val="FFFFFF"/>
+                </a:solidFill>
+              </a14:hiddenFill>
+            </a:ext>
+          </a:extLst>
+        </p:spPr>
+      </p:pic>
+    </p:spTree>
+    <p:extLst>
+      <p:ext uri="{BB962C8B-B14F-4D97-AF65-F5344CB8AC3E}">
+        <p14:creationId xmlns:p14="http://schemas.microsoft.com/office/powerpoint/2010/main" val="359418717"/>
+      </p:ext>
+    </p:extLst>
+  </p:cSld>
+  <p:clrMapOvr>
+    <a:masterClrMapping/>
+  </p:clrMapOvr>
+</p:sld>
+</file>
+
+<file path=ppt/slides/slide6.xml><?xml version="1.0" encoding="utf-8"?>
+<p:sld xmlns:a="http://schemas.openxmlformats.org/drawingml/2006/main" xmlns:r="http://schemas.openxmlformats.org/officeDocument/2006/relationships" xmlns:p="http://schemas.openxmlformats.org/presentationml/2006/main">
+  <p:cSld>
+    <p:spTree>
+      <p:nvGrpSpPr>
+        <p:cNvPr id="1" name=""/>
+        <p:cNvGrpSpPr/>
+        <p:nvPr/>
+      </p:nvGrpSpPr>
+      <p:grpSpPr>
+        <a:xfrm>
+          <a:off x="0" y="0"/>
+          <a:ext cx="0" cy="0"/>
+          <a:chOff x="0" y="0"/>
+          <a:chExt cx="0" cy="0"/>
+        </a:xfrm>
+      </p:grpSpPr>
+      <p:sp>
+        <p:nvSpPr>
+          <p:cNvPr id="6" name="Title 5">
+            <a:extLst>
+              <a:ext uri="{FF2B5EF4-FFF2-40B4-BE49-F238E27FC236}">
+                <a16:creationId xmlns:a16="http://schemas.microsoft.com/office/drawing/2014/main" id="{D08AB06A-6B63-9A84-6282-A333F77AFEA1}"/>
+              </a:ext>
+            </a:extLst>
+          </p:cNvPr>
+          <p:cNvSpPr>
+            <a:spLocks noGrp="1"/>
+          </p:cNvSpPr>
+          <p:nvPr>
+            <p:ph type="ctrTitle"/>
+          </p:nvPr>
+        </p:nvSpPr>
+        <p:spPr>
+          <a:xfrm>
+            <a:off x="2101510" y="370921"/>
+            <a:ext cx="7988980" cy="626325"/>
+          </a:xfrm>
+        </p:spPr>
+        <p:txBody>
+          <a:bodyPr/>
+          <a:lstStyle/>
+          <a:p>
+            <a:r>
+              <a:rPr lang="en-US" sz="4400" dirty="0" err="1">
+                <a:solidFill>
+                  <a:srgbClr val="EBD99F"/>
+                </a:solidFill>
+              </a:rPr>
+              <a:t>Github</a:t>
+            </a:r>
+            <a:r>
+              <a:rPr lang="en-US" sz="4400" dirty="0">
+                <a:solidFill>
+                  <a:srgbClr val="EBD99F"/>
+                </a:solidFill>
+              </a:rPr>
+              <a:t> on Anvil</a:t>
+            </a:r>
+          </a:p>
+        </p:txBody>
+      </p:sp>
+      <p:sp>
+        <p:nvSpPr>
+          <p:cNvPr id="5" name="Slide Number Placeholder 4">
+            <a:extLst>
+              <a:ext uri="{FF2B5EF4-FFF2-40B4-BE49-F238E27FC236}">
+                <a16:creationId xmlns:a16="http://schemas.microsoft.com/office/drawing/2014/main" id="{079CDBEF-9D1D-DDB1-C4C8-A9817DA62F9A}"/>
+              </a:ext>
+            </a:extLst>
+          </p:cNvPr>
+          <p:cNvSpPr>
+            <a:spLocks noGrp="1"/>
+          </p:cNvSpPr>
+          <p:nvPr>
+            <p:ph type="sldNum" sz="quarter" idx="12"/>
+          </p:nvPr>
+        </p:nvSpPr>
+        <p:spPr/>
+        <p:txBody>
+          <a:bodyPr/>
+          <a:lstStyle/>
+          <a:p>
+            <a:fld id="{8A7A6979-0714-4377-B894-6BE4C2D6E202}" type="slidenum">
+              <a:rPr lang="en-US" smtClean="0"/>
+              <a:pPr/>
+              <a:t>6</a:t>
+            </a:fld>
+            <a:endParaRPr lang="en-US"/>
+          </a:p>
+        </p:txBody>
+      </p:sp>
+      <p:sp>
+        <p:nvSpPr>
+          <p:cNvPr id="4" name="Date Placeholder 3">
+            <a:extLst>
+              <a:ext uri="{FF2B5EF4-FFF2-40B4-BE49-F238E27FC236}">
+                <a16:creationId xmlns:a16="http://schemas.microsoft.com/office/drawing/2014/main" id="{4CDE6F09-9B10-5238-7123-0B118E57F72B}"/>
+              </a:ext>
+            </a:extLst>
+          </p:cNvPr>
+          <p:cNvSpPr>
+            <a:spLocks noGrp="1"/>
+          </p:cNvSpPr>
+          <p:nvPr>
+            <p:ph type="dt" sz="half" idx="4294967295"/>
+          </p:nvPr>
+        </p:nvSpPr>
+        <p:spPr>
+          <a:xfrm>
+            <a:off x="8744769" y="6227670"/>
+            <a:ext cx="1161231" cy="323968"/>
+          </a:xfrm>
+          <a:prstGeom prst="rect">
+            <a:avLst/>
+          </a:prstGeom>
+        </p:spPr>
+        <p:txBody>
+          <a:bodyPr vert="horz" lIns="91440" tIns="45720" rIns="91440" bIns="45720" rtlCol="0" anchor="ctr"/>
+          <a:lstStyle>
+            <a:defPPr>
+              <a:defRPr lang="en-US"/>
+            </a:defPPr>
+            <a:lvl1pPr marL="0" algn="r" defTabSz="457200" rtl="0" eaLnBrk="1" latinLnBrk="0" hangingPunct="1">
+              <a:defRPr sz="1000" b="0" i="0" kern="1200">
+                <a:solidFill>
+                  <a:schemeClr val="tx1">
+                    <a:alpha val="70000"/>
+                  </a:schemeClr>
+                </a:solidFill>
+                <a:latin typeface="Acumin Pro" panose="020B0504020202020204" pitchFamily="34" charset="77"/>
+                <a:ea typeface="+mn-ea"/>
+                <a:cs typeface="+mn-cs"/>
+              </a:defRPr>
+            </a:lvl1pPr>
+            <a:lvl2pPr marL="457200" algn="l" defTabSz="457200" rtl="0" eaLnBrk="1" latinLnBrk="0" hangingPunct="1">
+              <a:defRPr sz="1800" kern="1200">
+                <a:solidFill>
+                  <a:schemeClr val="tx1"/>
+                </a:solidFill>
+                <a:latin typeface="+mn-lt"/>
+                <a:ea typeface="+mn-ea"/>
+                <a:cs typeface="+mn-cs"/>
+              </a:defRPr>
+            </a:lvl2pPr>
+            <a:lvl3pPr marL="914400" algn="l" defTabSz="457200" rtl="0" eaLnBrk="1" latinLnBrk="0" hangingPunct="1">
+              <a:defRPr sz="1800" kern="1200">
+                <a:solidFill>
+                  <a:schemeClr val="tx1"/>
+                </a:solidFill>
+                <a:latin typeface="+mn-lt"/>
+                <a:ea typeface="+mn-ea"/>
+                <a:cs typeface="+mn-cs"/>
+              </a:defRPr>
+            </a:lvl3pPr>
+            <a:lvl4pPr marL="1371600" algn="l" defTabSz="457200" rtl="0" eaLnBrk="1" latinLnBrk="0" hangingPunct="1">
+              <a:defRPr sz="1800" kern="1200">
+                <a:solidFill>
+                  <a:schemeClr val="tx1"/>
+                </a:solidFill>
+                <a:latin typeface="+mn-lt"/>
+                <a:ea typeface="+mn-ea"/>
+                <a:cs typeface="+mn-cs"/>
+              </a:defRPr>
+            </a:lvl4pPr>
+            <a:lvl5pPr marL="1828800" algn="l" defTabSz="457200" rtl="0" eaLnBrk="1" latinLnBrk="0" hangingPunct="1">
+              <a:defRPr sz="1800" kern="1200">
+                <a:solidFill>
+                  <a:schemeClr val="tx1"/>
+                </a:solidFill>
+                <a:latin typeface="+mn-lt"/>
+                <a:ea typeface="+mn-ea"/>
+                <a:cs typeface="+mn-cs"/>
+              </a:defRPr>
+            </a:lvl5pPr>
+            <a:lvl6pPr marL="2286000" algn="l" defTabSz="457200" rtl="0" eaLnBrk="1" latinLnBrk="0" hangingPunct="1">
+              <a:defRPr sz="1800" kern="1200">
+                <a:solidFill>
+                  <a:schemeClr val="tx1"/>
+                </a:solidFill>
+                <a:latin typeface="+mn-lt"/>
+                <a:ea typeface="+mn-ea"/>
+                <a:cs typeface="+mn-cs"/>
+              </a:defRPr>
+            </a:lvl6pPr>
+            <a:lvl7pPr marL="2743200" algn="l" defTabSz="457200" rtl="0" eaLnBrk="1" latinLnBrk="0" hangingPunct="1">
+              <a:defRPr sz="1800" kern="1200">
+                <a:solidFill>
+                  <a:schemeClr val="tx1"/>
+                </a:solidFill>
+                <a:latin typeface="+mn-lt"/>
+                <a:ea typeface="+mn-ea"/>
+                <a:cs typeface="+mn-cs"/>
+              </a:defRPr>
+            </a:lvl7pPr>
+            <a:lvl8pPr marL="3200400" algn="l" defTabSz="457200" rtl="0" eaLnBrk="1" latinLnBrk="0" hangingPunct="1">
+              <a:defRPr sz="1800" kern="1200">
+                <a:solidFill>
+                  <a:schemeClr val="tx1"/>
+                </a:solidFill>
+                <a:latin typeface="+mn-lt"/>
+                <a:ea typeface="+mn-ea"/>
+                <a:cs typeface="+mn-cs"/>
+              </a:defRPr>
+            </a:lvl8pPr>
+            <a:lvl9pPr marL="3657600" algn="l" defTabSz="457200" rtl="0" eaLnBrk="1" latinLnBrk="0" hangingPunct="1">
+              <a:defRPr sz="1800" kern="1200">
+                <a:solidFill>
+                  <a:schemeClr val="tx1"/>
+                </a:solidFill>
+                <a:latin typeface="+mn-lt"/>
+                <a:ea typeface="+mn-ea"/>
+                <a:cs typeface="+mn-cs"/>
+              </a:defRPr>
+            </a:lvl9pPr>
+          </a:lstStyle>
+          <a:p>
+            <a:fld id="{E0C8DACD-4E35-4E4C-AC75-C3DE50F04E7E}" type="datetime1">
+              <a:rPr lang="en-US" smtClean="0"/>
+              <a:pPr/>
+              <a:t>8/30/23</a:t>
+            </a:fld>
+            <a:endParaRPr lang="en-US"/>
+          </a:p>
+        </p:txBody>
+      </p:sp>
+      <p:sp>
+        <p:nvSpPr>
+          <p:cNvPr id="9" name="TextBox 8">
+            <a:extLst>
+              <a:ext uri="{FF2B5EF4-FFF2-40B4-BE49-F238E27FC236}">
+                <a16:creationId xmlns:a16="http://schemas.microsoft.com/office/drawing/2014/main" id="{F8678FA1-F450-79FC-F095-B4F244524A43}"/>
+              </a:ext>
+            </a:extLst>
+          </p:cNvPr>
+          <p:cNvSpPr txBox="1"/>
+          <p:nvPr/>
+        </p:nvSpPr>
+        <p:spPr>
+          <a:xfrm>
+            <a:off x="1433384" y="5580669"/>
+            <a:ext cx="10466172" cy="646331"/>
+          </a:xfrm>
+          <a:prstGeom prst="rect">
+            <a:avLst/>
+          </a:prstGeom>
+          <a:noFill/>
+        </p:spPr>
+        <p:txBody>
+          <a:bodyPr wrap="square">
+            <a:spAutoFit/>
+          </a:bodyPr>
+          <a:lstStyle/>
+          <a:p>
+            <a:r>
+              <a:rPr lang="en-US" dirty="0">
+                <a:solidFill>
+                  <a:schemeClr val="bg1"/>
+                </a:solidFill>
+                <a:hlinkClick r:id="rId2"/>
+              </a:rPr>
+              <a:t>Github on Anvil Guide: </a:t>
+            </a:r>
+          </a:p>
+          <a:p>
+            <a:r>
+              <a:rPr lang="en-US" dirty="0">
+                <a:solidFill>
+                  <a:schemeClr val="bg1"/>
+                </a:solidFill>
+                <a:hlinkClick r:id="rId2"/>
+              </a:rPr>
+              <a:t>https://the-examples-book.com/starter-guides/tools-and-standards/git/github-anvil</a:t>
+            </a:r>
+            <a:endParaRPr lang="en-US" dirty="0">
+              <a:solidFill>
+                <a:schemeClr val="bg1"/>
+              </a:solidFill>
+            </a:endParaRPr>
+          </a:p>
+        </p:txBody>
+      </p:sp>
+      <p:pic>
+        <p:nvPicPr>
+          <p:cNvPr id="3075" name="Picture 3" descr="Github Logo - Free social media icons">
+            <a:hlinkClick r:id="rId3"/>
+            <a:extLst>
+              <a:ext uri="{FF2B5EF4-FFF2-40B4-BE49-F238E27FC236}">
+                <a16:creationId xmlns:a16="http://schemas.microsoft.com/office/drawing/2014/main" id="{A18E4878-3EB5-C054-023C-815DD3F13AF8}"/>
+              </a:ext>
+            </a:extLst>
+          </p:cNvPr>
+          <p:cNvPicPr>
+            <a:picLocks noChangeAspect="1" noChangeArrowheads="1"/>
+          </p:cNvPicPr>
+          <p:nvPr/>
+        </p:nvPicPr>
+        <p:blipFill>
+          <a:blip r:embed="rId4">
+            <a:extLst>
+              <a:ext uri="{28A0092B-C50C-407E-A947-70E740481C1C}">
+                <a14:useLocalDpi xmlns:a14="http://schemas.microsoft.com/office/drawing/2010/main" val="0"/>
+              </a:ext>
+            </a:extLst>
+          </a:blip>
+          <a:srcRect/>
+          <a:stretch>
+            <a:fillRect/>
+          </a:stretch>
+        </p:blipFill>
+        <p:spPr bwMode="auto">
+          <a:xfrm>
+            <a:off x="4950596" y="1573083"/>
+            <a:ext cx="3431747" cy="3431748"/>
+          </a:xfrm>
+          <a:prstGeom prst="rect">
+            <a:avLst/>
+          </a:prstGeom>
+          <a:noFill/>
+          <a:extLst>
+            <a:ext uri="{909E8E84-426E-40DD-AFC4-6F175D3DCCD1}">
+              <a14:hiddenFill xmlns:a14="http://schemas.microsoft.com/office/drawing/2010/main">
+                <a:solidFill>
+                  <a:srgbClr val="FFFFFF"/>
+                </a:solidFill>
+              </a14:hiddenFill>
+            </a:ext>
+          </a:extLst>
+        </p:spPr>
+      </p:pic>
+    </p:spTree>
+    <p:extLst>
+      <p:ext uri="{BB962C8B-B14F-4D97-AF65-F5344CB8AC3E}">
+        <p14:creationId xmlns:p14="http://schemas.microsoft.com/office/powerpoint/2010/main" val="2109556261"/>
       </p:ext>
     </p:extLst>
   </p:cSld>
@@ -17772,58 +19373,6 @@
 </file>
 
 <file path=customXml/item1.xml><?xml version="1.0" encoding="utf-8"?>
-<p:properties xmlns:p="http://schemas.microsoft.com/office/2006/metadata/properties" xmlns:xsi="http://www.w3.org/2001/XMLSchema-instance" xmlns:pc="http://schemas.microsoft.com/office/infopath/2007/PartnerControls">
-  <documentManagement>
-    <SharedWithUsers xmlns="d6656b4d-3fa0-4709-acfb-d5e813445d1e">
-      <UserInfo>
-        <DisplayName>Schott, Thomas H.</DisplayName>
-        <AccountId>17</AccountId>
-        <AccountType/>
-      </UserInfo>
-      <UserInfo>
-        <DisplayName>Sarault, Olivia M</DisplayName>
-        <AccountId>29</AccountId>
-        <AccountType/>
-      </UserInfo>
-      <UserInfo>
-        <DisplayName>Hiller, Kelly R</DisplayName>
-        <AccountId>98</AccountId>
-        <AccountType/>
-      </UserInfo>
-      <UserInfo>
-        <DisplayName>Eddy, Abigail Ellen</DisplayName>
-        <AccountId>46</AccountId>
-        <AccountType/>
-      </UserInfo>
-      <UserInfo>
-        <DisplayName>Gu, Yu Rain</DisplayName>
-        <AccountId>77</AccountId>
-        <AccountType/>
-      </UserInfo>
-      <UserInfo>
-        <DisplayName>Reese, Kristy S</DisplayName>
-        <AccountId>26</AccountId>
-        <AccountType/>
-      </UserInfo>
-    </SharedWithUsers>
-    <lcf76f155ced4ddcb4097134ff3c332f xmlns="37af3f4b-4b66-46f9-8456-831d9bc3e737">
-      <Terms xmlns="http://schemas.microsoft.com/office/infopath/2007/PartnerControls"/>
-    </lcf76f155ced4ddcb4097134ff3c332f>
-    <TaxCatchAll xmlns="d6656b4d-3fa0-4709-acfb-d5e813445d1e" xsi:nil="true"/>
-  </documentManagement>
-</p:properties>
-</file>
-
-<file path=customXml/item2.xml><?xml version="1.0" encoding="utf-8"?>
-<?mso-contentType ?>
-<FormTemplates xmlns="http://schemas.microsoft.com/sharepoint/v3/contenttype/forms">
-  <Display>DocumentLibraryForm</Display>
-  <Edit>DocumentLibraryForm</Edit>
-  <New>DocumentLibraryForm</New>
-</FormTemplates>
-</file>
-
-<file path=customXml/item3.xml><?xml version="1.0" encoding="utf-8"?>
 <ct:contentTypeSchema xmlns:ct="http://schemas.microsoft.com/office/2006/metadata/contentType" xmlns:ma="http://schemas.microsoft.com/office/2006/metadata/properties/metaAttributes" ct:_="" ma:_="" ma:contentTypeName="Document" ma:contentTypeID="0x01010054E202481DC1CB46AA011D949D311478" ma:contentTypeVersion="13" ma:contentTypeDescription="Create a new document." ma:contentTypeScope="" ma:versionID="309c718596e4092f54ce9aa93358bb8d">
   <xsd:schema xmlns:xsd="http://www.w3.org/2001/XMLSchema" xmlns:xs="http://www.w3.org/2001/XMLSchema" xmlns:p="http://schemas.microsoft.com/office/2006/metadata/properties" xmlns:ns2="37af3f4b-4b66-46f9-8456-831d9bc3e737" xmlns:ns3="d6656b4d-3fa0-4709-acfb-d5e813445d1e" targetNamespace="http://schemas.microsoft.com/office/2006/metadata/properties" ma:root="true" ma:fieldsID="0c34f3e70276db9d2471c2526b8de3df" ns2:_="" ns3:_="">
     <xsd:import namespace="37af3f4b-4b66-46f9-8456-831d9bc3e737"/>
@@ -18046,7 +19595,78 @@
 </ct:contentTypeSchema>
 </file>
 
+<file path=customXml/item2.xml><?xml version="1.0" encoding="utf-8"?>
+<p:properties xmlns:p="http://schemas.microsoft.com/office/2006/metadata/properties" xmlns:xsi="http://www.w3.org/2001/XMLSchema-instance" xmlns:pc="http://schemas.microsoft.com/office/infopath/2007/PartnerControls">
+  <documentManagement>
+    <SharedWithUsers xmlns="d6656b4d-3fa0-4709-acfb-d5e813445d1e">
+      <UserInfo>
+        <DisplayName>Schott, Thomas H.</DisplayName>
+        <AccountId>17</AccountId>
+        <AccountType/>
+      </UserInfo>
+      <UserInfo>
+        <DisplayName>Sarault, Olivia M</DisplayName>
+        <AccountId>29</AccountId>
+        <AccountType/>
+      </UserInfo>
+      <UserInfo>
+        <DisplayName>Hiller, Kelly R</DisplayName>
+        <AccountId>98</AccountId>
+        <AccountType/>
+      </UserInfo>
+      <UserInfo>
+        <DisplayName>Eddy, Abigail Ellen</DisplayName>
+        <AccountId>46</AccountId>
+        <AccountType/>
+      </UserInfo>
+      <UserInfo>
+        <DisplayName>Gu, Yu Rain</DisplayName>
+        <AccountId>77</AccountId>
+        <AccountType/>
+      </UserInfo>
+      <UserInfo>
+        <DisplayName>Reese, Kristy S</DisplayName>
+        <AccountId>26</AccountId>
+        <AccountType/>
+      </UserInfo>
+    </SharedWithUsers>
+    <lcf76f155ced4ddcb4097134ff3c332f xmlns="37af3f4b-4b66-46f9-8456-831d9bc3e737">
+      <Terms xmlns="http://schemas.microsoft.com/office/infopath/2007/PartnerControls"/>
+    </lcf76f155ced4ddcb4097134ff3c332f>
+    <TaxCatchAll xmlns="d6656b4d-3fa0-4709-acfb-d5e813445d1e" xsi:nil="true"/>
+  </documentManagement>
+</p:properties>
+</file>
+
+<file path=customXml/item3.xml><?xml version="1.0" encoding="utf-8"?>
+<?mso-contentType ?>
+<FormTemplates xmlns="http://schemas.microsoft.com/sharepoint/v3/contenttype/forms">
+  <Display>DocumentLibraryForm</Display>
+  <Edit>DocumentLibraryForm</Edit>
+  <New>DocumentLibraryForm</New>
+</FormTemplates>
+</file>
+
 <file path=customXml/itemProps1.xml><?xml version="1.0" encoding="utf-8"?>
+<ds:datastoreItem xmlns:ds="http://schemas.openxmlformats.org/officeDocument/2006/customXml" ds:itemID="{64D795B0-FAA0-424A-9B96-7691ED1EF26B}">
+  <ds:schemaRefs>
+    <ds:schemaRef ds:uri="http://schemas.microsoft.com/office/2006/metadata/contentType"/>
+    <ds:schemaRef ds:uri="http://schemas.microsoft.com/office/2006/metadata/properties/metaAttributes"/>
+    <ds:schemaRef ds:uri="http://www.w3.org/2001/XMLSchema"/>
+    <ds:schemaRef ds:uri="http://schemas.microsoft.com/office/2006/metadata/properties"/>
+    <ds:schemaRef ds:uri="37af3f4b-4b66-46f9-8456-831d9bc3e737"/>
+    <ds:schemaRef ds:uri="d6656b4d-3fa0-4709-acfb-d5e813445d1e"/>
+    <ds:schemaRef ds:uri="http://schemas.microsoft.com/office/2006/documentManagement/types"/>
+    <ds:schemaRef ds:uri="http://schemas.microsoft.com/office/infopath/2007/PartnerControls"/>
+    <ds:schemaRef ds:uri="http://schemas.openxmlformats.org/package/2006/metadata/core-properties"/>
+    <ds:schemaRef ds:uri="http://purl.org/dc/elements/1.1/"/>
+    <ds:schemaRef ds:uri="http://purl.org/dc/terms/"/>
+    <ds:schemaRef ds:uri="http://schemas.microsoft.com/internal/obd"/>
+  </ds:schemaRefs>
+</ds:datastoreItem>
+</file>
+
+<file path=customXml/itemProps2.xml><?xml version="1.0" encoding="utf-8"?>
 <ds:datastoreItem xmlns:ds="http://schemas.openxmlformats.org/officeDocument/2006/customXml" ds:itemID="{21DE0D6C-581B-4814-98E7-EF172D5D46A1}">
   <ds:schemaRefs>
     <ds:schemaRef ds:uri="http://schemas.microsoft.com/office/2006/documentManagement/types"/>
@@ -18063,29 +19683,10 @@
 </ds:datastoreItem>
 </file>
 
-<file path=customXml/itemProps2.xml><?xml version="1.0" encoding="utf-8"?>
+<file path=customXml/itemProps3.xml><?xml version="1.0" encoding="utf-8"?>
 <ds:datastoreItem xmlns:ds="http://schemas.openxmlformats.org/officeDocument/2006/customXml" ds:itemID="{F5B64EEB-1B4A-4920-AA44-E234D7D487D1}">
   <ds:schemaRefs>
     <ds:schemaRef ds:uri="http://schemas.microsoft.com/sharepoint/v3/contenttype/forms"/>
   </ds:schemaRefs>
 </ds:datastoreItem>
-</file>
-
-<file path=customXml/itemProps3.xml><?xml version="1.0" encoding="utf-8"?>
-<ds:datastoreItem xmlns:ds="http://schemas.openxmlformats.org/officeDocument/2006/customXml" ds:itemID="{64D795B0-FAA0-424A-9B96-7691ED1EF26B}">
-  <ds:schemaRefs>
-    <ds:schemaRef ds:uri="http://schemas.microsoft.com/office/2006/metadata/contentType"/>
-    <ds:schemaRef ds:uri="http://schemas.microsoft.com/office/2006/metadata/properties/metaAttributes"/>
-    <ds:schemaRef ds:uri="http://www.w3.org/2001/XMLSchema"/>
-    <ds:schemaRef ds:uri="http://schemas.microsoft.com/office/2006/metadata/properties"/>
-    <ds:schemaRef ds:uri="37af3f4b-4b66-46f9-8456-831d9bc3e737"/>
-    <ds:schemaRef ds:uri="d6656b4d-3fa0-4709-acfb-d5e813445d1e"/>
-    <ds:schemaRef ds:uri="http://schemas.microsoft.com/office/2006/documentManagement/types"/>
-    <ds:schemaRef ds:uri="http://schemas.microsoft.com/office/infopath/2007/PartnerControls"/>
-    <ds:schemaRef ds:uri="http://schemas.openxmlformats.org/package/2006/metadata/core-properties"/>
-    <ds:schemaRef ds:uri="http://purl.org/dc/elements/1.1/"/>
-    <ds:schemaRef ds:uri="http://purl.org/dc/terms/"/>
-    <ds:schemaRef ds:uri="http://schemas.microsoft.com/internal/obd"/>
-  </ds:schemaRefs>
-</ds:datastoreItem>
 </file>
--- a/corporate-partners-appendix/modules/TAs/attachments/agile_reflection.pptx
+++ b/corporate-partners-appendix/modules/TAs/attachments/agile_reflection.pptx
@@ -5,7 +5,7 @@
     <p:sldMasterId id="2147483648" r:id="rId4"/>
   </p:sldMasterIdLst>
   <p:notesMasterIdLst>
-    <p:notesMasterId r:id="rId11"/>
+    <p:notesMasterId r:id="rId12"/>
   </p:notesMasterIdLst>
   <p:sldIdLst>
     <p:sldId id="257" r:id="rId5"/>
@@ -14,51 +14,52 @@
     <p:sldId id="352" r:id="rId8"/>
     <p:sldId id="353" r:id="rId9"/>
     <p:sldId id="355" r:id="rId10"/>
+    <p:sldId id="356" r:id="rId11"/>
   </p:sldIdLst>
   <p:sldSz cx="12192000" cy="6858000"/>
   <p:notesSz cx="6858000" cy="9144000"/>
   <p:embeddedFontLst>
     <p:embeddedFont>
-      <p:font typeface="Acumin Pro" panose="020F0502020204030204" pitchFamily="34" charset="0"/>
-      <p:regular r:id="rId12"/>
-      <p:bold r:id="rId13"/>
-      <p:italic r:id="rId14"/>
-      <p:boldItalic r:id="rId15"/>
+      <p:font typeface="Acumin Pro" panose="020B0504020202020204" pitchFamily="34" charset="77"/>
+      <p:regular r:id="rId13"/>
+      <p:bold r:id="rId14"/>
+      <p:italic r:id="rId15"/>
+      <p:boldItalic r:id="rId16"/>
     </p:embeddedFont>
     <p:embeddedFont>
-      <p:font typeface="Acumin Pro ExtraCondensed" panose="020F0502020204030204" pitchFamily="34" charset="0"/>
-      <p:regular r:id="rId16"/>
-      <p:bold r:id="rId17"/>
-      <p:italic r:id="rId18"/>
-      <p:boldItalic r:id="rId19"/>
+      <p:font typeface="Acumin Pro ExtraCondensed" panose="020B0508020202020204" pitchFamily="34" charset="77"/>
+      <p:regular r:id="rId17"/>
+      <p:bold r:id="rId18"/>
+      <p:italic r:id="rId19"/>
+      <p:boldItalic r:id="rId20"/>
     </p:embeddedFont>
     <p:embeddedFont>
       <p:font typeface="Acumin Pro SemiCondensed" panose="020F0502020204030204" pitchFamily="34" charset="0"/>
-      <p:regular r:id="rId20"/>
-      <p:bold r:id="rId21"/>
-      <p:italic r:id="rId22"/>
-      <p:boldItalic r:id="rId23"/>
+      <p:regular r:id="rId21"/>
+      <p:bold r:id="rId22"/>
+      <p:italic r:id="rId23"/>
+      <p:boldItalic r:id="rId24"/>
     </p:embeddedFont>
     <p:embeddedFont>
       <p:font typeface="Calibri" panose="020F0502020204030204" pitchFamily="34" charset="0"/>
-      <p:regular r:id="rId24"/>
-      <p:bold r:id="rId25"/>
-      <p:italic r:id="rId26"/>
-      <p:boldItalic r:id="rId27"/>
+      <p:regular r:id="rId25"/>
+      <p:bold r:id="rId26"/>
+      <p:italic r:id="rId27"/>
+      <p:boldItalic r:id="rId28"/>
     </p:embeddedFont>
     <p:embeddedFont>
       <p:font typeface="Franklin Gothic Book" panose="020B0503020102020204" pitchFamily="34" charset="0"/>
-      <p:regular r:id="rId28"/>
-      <p:italic r:id="rId29"/>
+      <p:regular r:id="rId29"/>
+      <p:italic r:id="rId30"/>
     </p:embeddedFont>
     <p:embeddedFont>
       <p:font typeface="Franklin Gothic Medium" panose="020B0603020102020204" pitchFamily="34" charset="0"/>
-      <p:regular r:id="rId30"/>
-      <p:italic r:id="rId31"/>
+      <p:regular r:id="rId31"/>
+      <p:italic r:id="rId32"/>
     </p:embeddedFont>
     <p:embeddedFont>
       <p:font typeface="Franklin Gothic Medium Cond" panose="020B0606030402020204" pitchFamily="34" charset="0"/>
-      <p:regular r:id="rId32"/>
+      <p:regular r:id="rId33"/>
     </p:embeddedFont>
   </p:embeddedFontLst>
   <p:defaultTextStyle>
@@ -271,7 +272,7 @@
           <a:p>
             <a:fld id="{01926CF7-48D8-2F46-AFC8-8A5D2298DFDD}" type="datetimeFigureOut">
               <a:rPr lang="en-US" smtClean="0"/>
-              <a:t>8/30/23</a:t>
+              <a:t>9/4/23</a:t>
             </a:fld>
             <a:endParaRPr lang="en-US"/>
           </a:p>
@@ -958,6 +959,90 @@
 </p:notes>
 </file>
 
+<file path=ppt/notesSlides/notesSlide6.xml><?xml version="1.0" encoding="utf-8"?>
+<p:notes xmlns:a="http://schemas.openxmlformats.org/drawingml/2006/main" xmlns:r="http://schemas.openxmlformats.org/officeDocument/2006/relationships" xmlns:p="http://schemas.openxmlformats.org/presentationml/2006/main">
+  <p:cSld>
+    <p:spTree>
+      <p:nvGrpSpPr>
+        <p:cNvPr id="1" name=""/>
+        <p:cNvGrpSpPr/>
+        <p:nvPr/>
+      </p:nvGrpSpPr>
+      <p:grpSpPr>
+        <a:xfrm>
+          <a:off x="0" y="0"/>
+          <a:ext cx="0" cy="0"/>
+          <a:chOff x="0" y="0"/>
+          <a:chExt cx="0" cy="0"/>
+        </a:xfrm>
+      </p:grpSpPr>
+      <p:sp>
+        <p:nvSpPr>
+          <p:cNvPr id="2" name="Slide Image Placeholder 1"/>
+          <p:cNvSpPr>
+            <a:spLocks noGrp="1" noRot="1" noChangeAspect="1"/>
+          </p:cNvSpPr>
+          <p:nvPr>
+            <p:ph type="sldImg"/>
+          </p:nvPr>
+        </p:nvSpPr>
+        <p:spPr/>
+      </p:sp>
+      <p:sp>
+        <p:nvSpPr>
+          <p:cNvPr id="3" name="Notes Placeholder 2"/>
+          <p:cNvSpPr>
+            <a:spLocks noGrp="1"/>
+          </p:cNvSpPr>
+          <p:nvPr>
+            <p:ph type="body" idx="1"/>
+          </p:nvPr>
+        </p:nvSpPr>
+        <p:spPr/>
+        <p:txBody>
+          <a:bodyPr/>
+          <a:lstStyle/>
+          <a:p>
+            <a:endParaRPr lang="en-US" dirty="0"/>
+          </a:p>
+        </p:txBody>
+      </p:sp>
+      <p:sp>
+        <p:nvSpPr>
+          <p:cNvPr id="4" name="Slide Number Placeholder 3"/>
+          <p:cNvSpPr>
+            <a:spLocks noGrp="1"/>
+          </p:cNvSpPr>
+          <p:nvPr>
+            <p:ph type="sldNum" sz="quarter" idx="5"/>
+          </p:nvPr>
+        </p:nvSpPr>
+        <p:spPr/>
+        <p:txBody>
+          <a:bodyPr/>
+          <a:lstStyle/>
+          <a:p>
+            <a:fld id="{237BF745-0557-B241-863F-056113C7032A}" type="slidenum">
+              <a:rPr lang="en-US" smtClean="0"/>
+              <a:t>7</a:t>
+            </a:fld>
+            <a:endParaRPr lang="en-US"/>
+          </a:p>
+        </p:txBody>
+      </p:sp>
+    </p:spTree>
+    <p:extLst>
+      <p:ext uri="{BB962C8B-B14F-4D97-AF65-F5344CB8AC3E}">
+        <p14:creationId xmlns:p14="http://schemas.microsoft.com/office/powerpoint/2010/main" val="283498475"/>
+      </p:ext>
+    </p:extLst>
+  </p:cSld>
+  <p:clrMapOvr>
+    <a:masterClrMapping/>
+  </p:clrMapOvr>
+</p:notes>
+</file>
+
 <file path=ppt/slideLayouts/slideLayout1.xml><?xml version="1.0" encoding="utf-8"?>
 <p:sldLayout xmlns:a="http://schemas.openxmlformats.org/drawingml/2006/main" xmlns:r="http://schemas.openxmlformats.org/officeDocument/2006/relationships" xmlns:p="http://schemas.openxmlformats.org/presentationml/2006/main" preserve="1" userDrawn="1">
   <p:cSld name="Title Slide - Black">
@@ -13210,7 +13295,7 @@
             <a:fld id="{D47A9A36-4EB0-BF46-AE48-7CDA251B954B}" type="datetime1">
               <a:rPr lang="en-US" smtClean="0"/>
               <a:pPr/>
-              <a:t>8/30/23</a:t>
+              <a:t>9/4/23</a:t>
             </a:fld>
             <a:endParaRPr lang="en-US"/>
           </a:p>
@@ -16604,7 +16689,7 @@
             <a:fld id="{E0C8DACD-4E35-4E4C-AC75-C3DE50F04E7E}" type="datetime1">
               <a:rPr lang="en-US" smtClean="0"/>
               <a:pPr/>
-              <a:t>8/30/23</a:t>
+              <a:t>9/4/23</a:t>
             </a:fld>
             <a:endParaRPr lang="en-US"/>
           </a:p>
@@ -16953,7 +17038,7 @@
             <a:fld id="{E0C8DACD-4E35-4E4C-AC75-C3DE50F04E7E}" type="datetime1">
               <a:rPr lang="en-US" smtClean="0"/>
               <a:pPr/>
-              <a:t>8/30/23</a:t>
+              <a:t>9/4/23</a:t>
             </a:fld>
             <a:endParaRPr lang="en-US"/>
           </a:p>
@@ -17217,7 +17302,7 @@
                   <a:schemeClr val="bg1"/>
                 </a:solidFill>
               </a:rPr>
-              <a:t>What went less during Sprint #1? (Lego Activity, Mentor/Lab Meeting)</a:t>
+              <a:t>What didn’t go well during Sprint #1? (Lego Activity, Mentor/Lab Meeting)</a:t>
             </a:r>
           </a:p>
           <a:p>
@@ -17371,7 +17456,7 @@
                   <a:srgbClr val="EBD99F"/>
                 </a:solidFill>
               </a:rPr>
-              <a:t>Daily Stand-up (5-10 minutes)</a:t>
+              <a:t>Stand-up (5-10 minutes)</a:t>
             </a:r>
           </a:p>
         </p:txBody>
@@ -17534,7 +17619,7 @@
             <a:fld id="{E0C8DACD-4E35-4E4C-AC75-C3DE50F04E7E}" type="datetime1">
               <a:rPr lang="en-US" smtClean="0"/>
               <a:pPr/>
-              <a:t>8/30/23</a:t>
+              <a:t>9/4/23</a:t>
             </a:fld>
             <a:endParaRPr lang="en-US"/>
           </a:p>
@@ -18097,7 +18182,7 @@
             <a:fld id="{E0C8DACD-4E35-4E4C-AC75-C3DE50F04E7E}" type="datetime1">
               <a:rPr lang="en-US" smtClean="0"/>
               <a:pPr/>
-              <a:t>8/30/23</a:t>
+              <a:t>9/4/23</a:t>
             </a:fld>
             <a:endParaRPr lang="en-US"/>
           </a:p>
@@ -18667,7 +18752,7 @@
             <a:fld id="{E0C8DACD-4E35-4E4C-AC75-C3DE50F04E7E}" type="datetime1">
               <a:rPr lang="en-US" smtClean="0"/>
               <a:pPr/>
-              <a:t>8/30/23</a:t>
+              <a:t>9/4/23</a:t>
             </a:fld>
             <a:endParaRPr lang="en-US"/>
           </a:p>
@@ -18781,6 +18866,402 @@
     <p:extLst>
       <p:ext uri="{BB962C8B-B14F-4D97-AF65-F5344CB8AC3E}">
         <p14:creationId xmlns:p14="http://schemas.microsoft.com/office/powerpoint/2010/main" val="2109556261"/>
+      </p:ext>
+    </p:extLst>
+  </p:cSld>
+  <p:clrMapOvr>
+    <a:masterClrMapping/>
+  </p:clrMapOvr>
+</p:sld>
+</file>
+
+<file path=ppt/slides/slide7.xml><?xml version="1.0" encoding="utf-8"?>
+<p:sld xmlns:a="http://schemas.openxmlformats.org/drawingml/2006/main" xmlns:r="http://schemas.openxmlformats.org/officeDocument/2006/relationships" xmlns:p="http://schemas.openxmlformats.org/presentationml/2006/main">
+  <p:cSld>
+    <p:spTree>
+      <p:nvGrpSpPr>
+        <p:cNvPr id="1" name=""/>
+        <p:cNvGrpSpPr/>
+        <p:nvPr/>
+      </p:nvGrpSpPr>
+      <p:grpSpPr>
+        <a:xfrm>
+          <a:off x="0" y="0"/>
+          <a:ext cx="0" cy="0"/>
+          <a:chOff x="0" y="0"/>
+          <a:chExt cx="0" cy="0"/>
+        </a:xfrm>
+      </p:grpSpPr>
+      <p:sp>
+        <p:nvSpPr>
+          <p:cNvPr id="6" name="Title 5">
+            <a:extLst>
+              <a:ext uri="{FF2B5EF4-FFF2-40B4-BE49-F238E27FC236}">
+                <a16:creationId xmlns:a16="http://schemas.microsoft.com/office/drawing/2014/main" id="{D08AB06A-6B63-9A84-6282-A333F77AFEA1}"/>
+              </a:ext>
+            </a:extLst>
+          </p:cNvPr>
+          <p:cNvSpPr>
+            <a:spLocks noGrp="1"/>
+          </p:cNvSpPr>
+          <p:nvPr>
+            <p:ph type="ctrTitle"/>
+          </p:nvPr>
+        </p:nvSpPr>
+        <p:spPr>
+          <a:xfrm>
+            <a:off x="2101510" y="370921"/>
+            <a:ext cx="7988980" cy="626325"/>
+          </a:xfrm>
+        </p:spPr>
+        <p:txBody>
+          <a:bodyPr/>
+          <a:lstStyle/>
+          <a:p>
+            <a:r>
+              <a:rPr lang="en-US" sz="4400" dirty="0">
+                <a:solidFill>
+                  <a:srgbClr val="EBD99F"/>
+                </a:solidFill>
+              </a:rPr>
+              <a:t>Starter Guide &amp; Literature Review</a:t>
+            </a:r>
+          </a:p>
+        </p:txBody>
+      </p:sp>
+      <p:sp>
+        <p:nvSpPr>
+          <p:cNvPr id="5" name="Slide Number Placeholder 4">
+            <a:extLst>
+              <a:ext uri="{FF2B5EF4-FFF2-40B4-BE49-F238E27FC236}">
+                <a16:creationId xmlns:a16="http://schemas.microsoft.com/office/drawing/2014/main" id="{079CDBEF-9D1D-DDB1-C4C8-A9817DA62F9A}"/>
+              </a:ext>
+            </a:extLst>
+          </p:cNvPr>
+          <p:cNvSpPr>
+            <a:spLocks noGrp="1"/>
+          </p:cNvSpPr>
+          <p:nvPr>
+            <p:ph type="sldNum" sz="quarter" idx="12"/>
+          </p:nvPr>
+        </p:nvSpPr>
+        <p:spPr/>
+        <p:txBody>
+          <a:bodyPr/>
+          <a:lstStyle/>
+          <a:p>
+            <a:fld id="{8A7A6979-0714-4377-B894-6BE4C2D6E202}" type="slidenum">
+              <a:rPr lang="en-US" smtClean="0"/>
+              <a:pPr/>
+              <a:t>7</a:t>
+            </a:fld>
+            <a:endParaRPr lang="en-US"/>
+          </a:p>
+        </p:txBody>
+      </p:sp>
+      <p:sp>
+        <p:nvSpPr>
+          <p:cNvPr id="4" name="Date Placeholder 3">
+            <a:extLst>
+              <a:ext uri="{FF2B5EF4-FFF2-40B4-BE49-F238E27FC236}">
+                <a16:creationId xmlns:a16="http://schemas.microsoft.com/office/drawing/2014/main" id="{4CDE6F09-9B10-5238-7123-0B118E57F72B}"/>
+              </a:ext>
+            </a:extLst>
+          </p:cNvPr>
+          <p:cNvSpPr>
+            <a:spLocks noGrp="1"/>
+          </p:cNvSpPr>
+          <p:nvPr>
+            <p:ph type="dt" sz="half" idx="4294967295"/>
+          </p:nvPr>
+        </p:nvSpPr>
+        <p:spPr>
+          <a:xfrm>
+            <a:off x="8744769" y="6227670"/>
+            <a:ext cx="1161231" cy="323968"/>
+          </a:xfrm>
+          <a:prstGeom prst="rect">
+            <a:avLst/>
+          </a:prstGeom>
+        </p:spPr>
+        <p:txBody>
+          <a:bodyPr vert="horz" lIns="91440" tIns="45720" rIns="91440" bIns="45720" rtlCol="0" anchor="ctr"/>
+          <a:lstStyle>
+            <a:defPPr>
+              <a:defRPr lang="en-US"/>
+            </a:defPPr>
+            <a:lvl1pPr marL="0" algn="r" defTabSz="457200" rtl="0" eaLnBrk="1" latinLnBrk="0" hangingPunct="1">
+              <a:defRPr sz="1000" b="0" i="0" kern="1200">
+                <a:solidFill>
+                  <a:schemeClr val="tx1">
+                    <a:alpha val="70000"/>
+                  </a:schemeClr>
+                </a:solidFill>
+                <a:latin typeface="Acumin Pro" panose="020B0504020202020204" pitchFamily="34" charset="77"/>
+                <a:ea typeface="+mn-ea"/>
+                <a:cs typeface="+mn-cs"/>
+              </a:defRPr>
+            </a:lvl1pPr>
+            <a:lvl2pPr marL="457200" algn="l" defTabSz="457200" rtl="0" eaLnBrk="1" latinLnBrk="0" hangingPunct="1">
+              <a:defRPr sz="1800" kern="1200">
+                <a:solidFill>
+                  <a:schemeClr val="tx1"/>
+                </a:solidFill>
+                <a:latin typeface="+mn-lt"/>
+                <a:ea typeface="+mn-ea"/>
+                <a:cs typeface="+mn-cs"/>
+              </a:defRPr>
+            </a:lvl2pPr>
+            <a:lvl3pPr marL="914400" algn="l" defTabSz="457200" rtl="0" eaLnBrk="1" latinLnBrk="0" hangingPunct="1">
+              <a:defRPr sz="1800" kern="1200">
+                <a:solidFill>
+                  <a:schemeClr val="tx1"/>
+                </a:solidFill>
+                <a:latin typeface="+mn-lt"/>
+                <a:ea typeface="+mn-ea"/>
+                <a:cs typeface="+mn-cs"/>
+              </a:defRPr>
+            </a:lvl3pPr>
+            <a:lvl4pPr marL="1371600" algn="l" defTabSz="457200" rtl="0" eaLnBrk="1" latinLnBrk="0" hangingPunct="1">
+              <a:defRPr sz="1800" kern="1200">
+                <a:solidFill>
+                  <a:schemeClr val="tx1"/>
+                </a:solidFill>
+                <a:latin typeface="+mn-lt"/>
+                <a:ea typeface="+mn-ea"/>
+                <a:cs typeface="+mn-cs"/>
+              </a:defRPr>
+            </a:lvl4pPr>
+            <a:lvl5pPr marL="1828800" algn="l" defTabSz="457200" rtl="0" eaLnBrk="1" latinLnBrk="0" hangingPunct="1">
+              <a:defRPr sz="1800" kern="1200">
+                <a:solidFill>
+                  <a:schemeClr val="tx1"/>
+                </a:solidFill>
+                <a:latin typeface="+mn-lt"/>
+                <a:ea typeface="+mn-ea"/>
+                <a:cs typeface="+mn-cs"/>
+              </a:defRPr>
+            </a:lvl5pPr>
+            <a:lvl6pPr marL="2286000" algn="l" defTabSz="457200" rtl="0" eaLnBrk="1" latinLnBrk="0" hangingPunct="1">
+              <a:defRPr sz="1800" kern="1200">
+                <a:solidFill>
+                  <a:schemeClr val="tx1"/>
+                </a:solidFill>
+                <a:latin typeface="+mn-lt"/>
+                <a:ea typeface="+mn-ea"/>
+                <a:cs typeface="+mn-cs"/>
+              </a:defRPr>
+            </a:lvl6pPr>
+            <a:lvl7pPr marL="2743200" algn="l" defTabSz="457200" rtl="0" eaLnBrk="1" latinLnBrk="0" hangingPunct="1">
+              <a:defRPr sz="1800" kern="1200">
+                <a:solidFill>
+                  <a:schemeClr val="tx1"/>
+                </a:solidFill>
+                <a:latin typeface="+mn-lt"/>
+                <a:ea typeface="+mn-ea"/>
+                <a:cs typeface="+mn-cs"/>
+              </a:defRPr>
+            </a:lvl7pPr>
+            <a:lvl8pPr marL="3200400" algn="l" defTabSz="457200" rtl="0" eaLnBrk="1" latinLnBrk="0" hangingPunct="1">
+              <a:defRPr sz="1800" kern="1200">
+                <a:solidFill>
+                  <a:schemeClr val="tx1"/>
+                </a:solidFill>
+                <a:latin typeface="+mn-lt"/>
+                <a:ea typeface="+mn-ea"/>
+                <a:cs typeface="+mn-cs"/>
+              </a:defRPr>
+            </a:lvl8pPr>
+            <a:lvl9pPr marL="3657600" algn="l" defTabSz="457200" rtl="0" eaLnBrk="1" latinLnBrk="0" hangingPunct="1">
+              <a:defRPr sz="1800" kern="1200">
+                <a:solidFill>
+                  <a:schemeClr val="tx1"/>
+                </a:solidFill>
+                <a:latin typeface="+mn-lt"/>
+                <a:ea typeface="+mn-ea"/>
+                <a:cs typeface="+mn-cs"/>
+              </a:defRPr>
+            </a:lvl9pPr>
+          </a:lstStyle>
+          <a:p>
+            <a:fld id="{E0C8DACD-4E35-4E4C-AC75-C3DE50F04E7E}" type="datetime1">
+              <a:rPr lang="en-US" smtClean="0"/>
+              <a:pPr/>
+              <a:t>9/4/23</a:t>
+            </a:fld>
+            <a:endParaRPr lang="en-US"/>
+          </a:p>
+        </p:txBody>
+      </p:sp>
+      <p:sp>
+        <p:nvSpPr>
+          <p:cNvPr id="9" name="TextBox 8">
+            <a:extLst>
+              <a:ext uri="{FF2B5EF4-FFF2-40B4-BE49-F238E27FC236}">
+                <a16:creationId xmlns:a16="http://schemas.microsoft.com/office/drawing/2014/main" id="{F8678FA1-F450-79FC-F095-B4F244524A43}"/>
+              </a:ext>
+            </a:extLst>
+          </p:cNvPr>
+          <p:cNvSpPr txBox="1"/>
+          <p:nvPr/>
+        </p:nvSpPr>
+        <p:spPr>
+          <a:xfrm>
+            <a:off x="1366772" y="5580669"/>
+            <a:ext cx="10466172" cy="646331"/>
+          </a:xfrm>
+          <a:prstGeom prst="rect">
+            <a:avLst/>
+          </a:prstGeom>
+          <a:noFill/>
+        </p:spPr>
+        <p:txBody>
+          <a:bodyPr wrap="square">
+            <a:spAutoFit/>
+          </a:bodyPr>
+          <a:lstStyle/>
+          <a:p>
+            <a:r>
+              <a:rPr lang="en-US" b="1" u="sng" dirty="0">
+                <a:solidFill>
+                  <a:schemeClr val="bg1"/>
+                </a:solidFill>
+                <a:hlinkClick r:id="rId3"/>
+              </a:rPr>
+              <a:t>Starter guides: </a:t>
+            </a:r>
+            <a:r>
+              <a:rPr lang="en-US" b="1" u="sng" dirty="0">
+                <a:solidFill>
+                  <a:schemeClr val="bg1"/>
+                </a:solidFill>
+              </a:rPr>
+              <a:t> </a:t>
+            </a:r>
+            <a:r>
+              <a:rPr lang="en-US" b="1" u="sng" dirty="0">
+                <a:solidFill>
+                  <a:schemeClr val="bg1"/>
+                </a:solidFill>
+                <a:hlinkClick r:id="rId4"/>
+              </a:rPr>
+              <a:t>https://the-examples-book.com/starter-guides/introduction</a:t>
+            </a:r>
+            <a:endParaRPr lang="en-US" b="1" u="sng" dirty="0">
+              <a:solidFill>
+                <a:schemeClr val="bg1"/>
+              </a:solidFill>
+            </a:endParaRPr>
+          </a:p>
+          <a:p>
+            <a:r>
+              <a:rPr lang="en-US" b="1" u="sng" dirty="0">
+                <a:solidFill>
+                  <a:schemeClr val="bg1"/>
+                </a:solidFill>
+              </a:rPr>
+              <a:t>Purdue literature review guide: https://</a:t>
+            </a:r>
+            <a:r>
+              <a:rPr lang="en-US" b="1" u="sng" dirty="0" err="1">
+                <a:solidFill>
+                  <a:schemeClr val="bg1"/>
+                </a:solidFill>
+              </a:rPr>
+              <a:t>guides.lib.purdue.edu</a:t>
+            </a:r>
+            <a:r>
+              <a:rPr lang="en-US" b="1" u="sng" dirty="0">
+                <a:solidFill>
+                  <a:schemeClr val="bg1"/>
+                </a:solidFill>
+              </a:rPr>
+              <a:t>/</a:t>
+            </a:r>
+            <a:r>
+              <a:rPr lang="en-US" b="1" u="sng" dirty="0" err="1">
+                <a:solidFill>
+                  <a:schemeClr val="bg1"/>
+                </a:solidFill>
+              </a:rPr>
+              <a:t>research_approaches</a:t>
+            </a:r>
+            <a:r>
+              <a:rPr lang="en-US" b="1" u="sng" dirty="0">
+                <a:solidFill>
+                  <a:schemeClr val="bg1"/>
+                </a:solidFill>
+              </a:rPr>
+              <a:t>/</a:t>
+            </a:r>
+            <a:r>
+              <a:rPr lang="en-US" b="1" u="sng" dirty="0" err="1">
+                <a:solidFill>
+                  <a:schemeClr val="bg1"/>
+                </a:solidFill>
+              </a:rPr>
+              <a:t>litreview</a:t>
+            </a:r>
+            <a:endParaRPr lang="en-US" b="1" u="sng" dirty="0">
+              <a:solidFill>
+                <a:schemeClr val="bg1"/>
+              </a:solidFill>
+            </a:endParaRPr>
+          </a:p>
+        </p:txBody>
+      </p:sp>
+      <p:pic>
+        <p:nvPicPr>
+          <p:cNvPr id="1026" name="Picture 2" descr="12,600+ Literature Review Stock Photos, Pictures &amp; Royalty-Free Images -  iStock | Literature review icon">
+            <a:hlinkClick r:id="rId5"/>
+            <a:extLst>
+              <a:ext uri="{FF2B5EF4-FFF2-40B4-BE49-F238E27FC236}">
+                <a16:creationId xmlns:a16="http://schemas.microsoft.com/office/drawing/2014/main" id="{E31AAAD4-16CD-F88D-7145-0968C1730AEB}"/>
+              </a:ext>
+            </a:extLst>
+          </p:cNvPr>
+          <p:cNvPicPr>
+            <a:picLocks noChangeAspect="1" noChangeArrowheads="1"/>
+          </p:cNvPicPr>
+          <p:nvPr/>
+        </p:nvPicPr>
+        <p:blipFill>
+          <a:blip r:embed="rId6">
+            <a:extLst>
+              <a:ext uri="{28A0092B-C50C-407E-A947-70E740481C1C}">
+                <a14:useLocalDpi xmlns:a14="http://schemas.microsoft.com/office/drawing/2010/main" val="0"/>
+              </a:ext>
+            </a:extLst>
+          </a:blip>
+          <a:srcRect/>
+          <a:stretch>
+            <a:fillRect/>
+          </a:stretch>
+        </p:blipFill>
+        <p:spPr bwMode="auto">
+          <a:xfrm>
+            <a:off x="3528189" y="1311754"/>
+            <a:ext cx="5888313" cy="3954406"/>
+          </a:xfrm>
+          <a:prstGeom prst="rect">
+            <a:avLst/>
+          </a:prstGeom>
+          <a:noFill/>
+          <a:extLst>
+            <a:ext uri="{909E8E84-426E-40DD-AFC4-6F175D3DCCD1}">
+              <a14:hiddenFill xmlns:a14="http://schemas.microsoft.com/office/drawing/2010/main">
+                <a:solidFill>
+                  <a:srgbClr val="FFFFFF"/>
+                </a:solidFill>
+              </a14:hiddenFill>
+            </a:ext>
+          </a:extLst>
+        </p:spPr>
+      </p:pic>
+    </p:spTree>
+    <p:extLst>
+      <p:ext uri="{BB962C8B-B14F-4D97-AF65-F5344CB8AC3E}">
+        <p14:creationId xmlns:p14="http://schemas.microsoft.com/office/powerpoint/2010/main" val="4040738487"/>
       </p:ext>
     </p:extLst>
   </p:cSld>
